--- a/Presentation.pptx
+++ b/Presentation.pptx
@@ -5,10 +5,10 @@
     <p:sldMasterId id="2147483648" r:id="rId1"/>
   </p:sldMasterIdLst>
   <p:notesMasterIdLst>
-    <p:notesMasterId r:id="rId15"/>
+    <p:notesMasterId r:id="rId17"/>
   </p:notesMasterIdLst>
   <p:handoutMasterIdLst>
-    <p:handoutMasterId r:id="rId16"/>
+    <p:handoutMasterId r:id="rId18"/>
   </p:handoutMasterIdLst>
   <p:sldIdLst>
     <p:sldId id="256" r:id="rId2"/>
@@ -20,10 +20,12 @@
     <p:sldId id="271" r:id="rId8"/>
     <p:sldId id="272" r:id="rId9"/>
     <p:sldId id="273" r:id="rId10"/>
-    <p:sldId id="274" r:id="rId11"/>
-    <p:sldId id="275" r:id="rId12"/>
-    <p:sldId id="276" r:id="rId13"/>
-    <p:sldId id="277" r:id="rId14"/>
+    <p:sldId id="278" r:id="rId11"/>
+    <p:sldId id="279" r:id="rId12"/>
+    <p:sldId id="274" r:id="rId13"/>
+    <p:sldId id="275" r:id="rId14"/>
+    <p:sldId id="276" r:id="rId15"/>
+    <p:sldId id="277" r:id="rId16"/>
   </p:sldIdLst>
   <p:sldSz cx="9144000" cy="6858000" type="screen4x3"/>
   <p:notesSz cx="6858000" cy="9144000"/>
@@ -11754,6 +11756,340 @@
             <p:ph type="title"/>
           </p:nvPr>
         </p:nvSpPr>
+        <p:spPr/>
+        <p:txBody>
+          <a:bodyPr>
+            <a:normAutofit/>
+          </a:bodyPr>
+          <a:lstStyle/>
+          <a:p>
+            <a:pPr algn="r"/>
+            <a:r>
+              <a:rPr lang="en-US" sz="3200" dirty="0"/>
+              <a:t>Traffic Simulation </a:t>
+            </a:r>
+            <a:br>
+              <a:rPr lang="en-US" sz="3200" dirty="0"/>
+            </a:br>
+            <a:r>
+              <a:rPr lang="en-US" sz="3200" dirty="0" smtClean="0"/>
+              <a:t>– User Interaction</a:t>
+            </a:r>
+            <a:endParaRPr lang="en-US" sz="2800" dirty="0"/>
+          </a:p>
+        </p:txBody>
+      </p:sp>
+      <p:sp>
+        <p:nvSpPr>
+          <p:cNvPr id="3" name="Content Placeholder 2"/>
+          <p:cNvSpPr>
+            <a:spLocks noGrp="1"/>
+          </p:cNvSpPr>
+          <p:nvPr>
+            <p:ph idx="1"/>
+          </p:nvPr>
+        </p:nvSpPr>
+        <p:spPr/>
+        <p:txBody>
+          <a:bodyPr>
+            <a:normAutofit/>
+          </a:bodyPr>
+          <a:lstStyle/>
+          <a:p>
+            <a:r>
+              <a:rPr lang="en-US" sz="2400" dirty="0" smtClean="0"/>
+              <a:t>User operation:</a:t>
+            </a:r>
+          </a:p>
+          <a:p>
+            <a:pPr lvl="1"/>
+            <a:r>
+              <a:rPr lang="en-US" sz="2250" dirty="0" smtClean="0"/>
+              <a:t>Drag a line: </a:t>
+            </a:r>
+          </a:p>
+          <a:p>
+            <a:pPr lvl="3"/>
+            <a:r>
+              <a:rPr lang="en-US" sz="1950" dirty="0"/>
+              <a:t>C</a:t>
+            </a:r>
+            <a:r>
+              <a:rPr lang="en-US" sz="1950" dirty="0" smtClean="0"/>
+              <a:t>reate a road, if the road connect with other roads, create an intersection to connect them</a:t>
+            </a:r>
+          </a:p>
+          <a:p>
+            <a:pPr lvl="3"/>
+            <a:r>
+              <a:rPr lang="en-US" sz="1950" dirty="0" smtClean="0"/>
+              <a:t>Draw thousands of shapes</a:t>
+            </a:r>
+          </a:p>
+          <a:p>
+            <a:pPr lvl="1"/>
+            <a:r>
+              <a:rPr lang="en-US" sz="2250" dirty="0" smtClean="0"/>
+              <a:t>Double click:</a:t>
+            </a:r>
+          </a:p>
+          <a:p>
+            <a:pPr lvl="3"/>
+            <a:r>
+              <a:rPr lang="en-US" sz="1950" dirty="0" smtClean="0"/>
+              <a:t>Start traffic simulation</a:t>
+            </a:r>
+          </a:p>
+          <a:p>
+            <a:pPr lvl="1"/>
+            <a:r>
+              <a:rPr lang="en-US" sz="2250" dirty="0" smtClean="0"/>
+              <a:t>In the code:</a:t>
+            </a:r>
+          </a:p>
+          <a:p>
+            <a:pPr lvl="3"/>
+            <a:r>
+              <a:rPr lang="en-US" sz="1950" dirty="0" smtClean="0"/>
+              <a:t>Change experimental parameters</a:t>
+            </a:r>
+          </a:p>
+          <a:p>
+            <a:pPr lvl="1"/>
+            <a:r>
+              <a:rPr lang="en-US" sz="2250" dirty="0" smtClean="0"/>
+              <a:t>Extend the code:</a:t>
+            </a:r>
+          </a:p>
+          <a:p>
+            <a:pPr lvl="3"/>
+            <a:r>
+              <a:rPr lang="en-US" sz="1950" dirty="0" smtClean="0"/>
+              <a:t>Automatically create road network of complicated shapes and traffic of various densities.</a:t>
+            </a:r>
+            <a:endParaRPr lang="en-US" sz="1950" dirty="0"/>
+          </a:p>
+        </p:txBody>
+      </p:sp>
+    </p:spTree>
+    <p:extLst>
+      <p:ext uri="{BB962C8B-B14F-4D97-AF65-F5344CB8AC3E}">
+        <p14:creationId xmlns:p14="http://schemas.microsoft.com/office/powerpoint/2010/main" val="67870036"/>
+      </p:ext>
+    </p:extLst>
+  </p:cSld>
+  <p:clrMapOvr>
+    <a:masterClrMapping/>
+  </p:clrMapOvr>
+  <mc:AlternateContent xmlns:mc="http://schemas.openxmlformats.org/markup-compatibility/2006" xmlns:p14="http://schemas.microsoft.com/office/powerpoint/2010/main">
+    <mc:Choice Requires="p14">
+      <p:transition spd="med" p14:dur="700">
+        <p:fade/>
+      </p:transition>
+    </mc:Choice>
+    <mc:Fallback xmlns="">
+      <p:transition spd="med">
+        <p:fade/>
+      </p:transition>
+    </mc:Fallback>
+  </mc:AlternateContent>
+</p:sld>
+</file>
+
+<file path=ppt/slides/slide11.xml><?xml version="1.0" encoding="utf-8"?>
+<p:sld xmlns:a="http://schemas.openxmlformats.org/drawingml/2006/main" xmlns:r="http://schemas.openxmlformats.org/officeDocument/2006/relationships" xmlns:p="http://schemas.openxmlformats.org/presentationml/2006/main">
+  <p:cSld>
+    <p:spTree>
+      <p:nvGrpSpPr>
+        <p:cNvPr id="1" name=""/>
+        <p:cNvGrpSpPr/>
+        <p:nvPr/>
+      </p:nvGrpSpPr>
+      <p:grpSpPr>
+        <a:xfrm>
+          <a:off x="0" y="0"/>
+          <a:ext cx="0" cy="0"/>
+          <a:chOff x="0" y="0"/>
+          <a:chExt cx="0" cy="0"/>
+        </a:xfrm>
+      </p:grpSpPr>
+      <p:sp>
+        <p:nvSpPr>
+          <p:cNvPr id="2" name="Title 1"/>
+          <p:cNvSpPr>
+            <a:spLocks noGrp="1"/>
+          </p:cNvSpPr>
+          <p:nvPr>
+            <p:ph type="title"/>
+          </p:nvPr>
+        </p:nvSpPr>
+        <p:spPr/>
+        <p:txBody>
+          <a:bodyPr>
+            <a:normAutofit/>
+          </a:bodyPr>
+          <a:lstStyle/>
+          <a:p>
+            <a:pPr algn="r"/>
+            <a:r>
+              <a:rPr lang="en-US" sz="3200" dirty="0"/>
+              <a:t>Traffic Simulation </a:t>
+            </a:r>
+            <a:br>
+              <a:rPr lang="en-US" sz="3200" dirty="0"/>
+            </a:br>
+            <a:r>
+              <a:rPr lang="en-US" sz="3200" dirty="0"/>
+              <a:t>– </a:t>
+            </a:r>
+            <a:r>
+              <a:rPr lang="en-US" sz="3200" dirty="0" smtClean="0"/>
+              <a:t>Detailed Process Example</a:t>
+            </a:r>
+            <a:endParaRPr lang="en-US" sz="2800" dirty="0"/>
+          </a:p>
+        </p:txBody>
+      </p:sp>
+      <p:sp>
+        <p:nvSpPr>
+          <p:cNvPr id="3" name="Content Placeholder 2"/>
+          <p:cNvSpPr>
+            <a:spLocks noGrp="1"/>
+          </p:cNvSpPr>
+          <p:nvPr>
+            <p:ph idx="1"/>
+          </p:nvPr>
+        </p:nvSpPr>
+        <p:spPr/>
+        <p:txBody>
+          <a:bodyPr>
+            <a:normAutofit/>
+          </a:bodyPr>
+          <a:lstStyle/>
+          <a:p>
+            <a:r>
+              <a:rPr lang="en-US" sz="2000" dirty="0" smtClean="0"/>
+              <a:t>Car agent working:</a:t>
+            </a:r>
+          </a:p>
+          <a:p>
+            <a:pPr lvl="1"/>
+            <a:r>
+              <a:rPr lang="en-US" sz="1850" dirty="0" smtClean="0"/>
+              <a:t>&gt;Get percept from the road network and traffic situation</a:t>
+            </a:r>
+          </a:p>
+          <a:p>
+            <a:pPr lvl="3"/>
+            <a:r>
+              <a:rPr lang="en-US" sz="1550" dirty="0" smtClean="0"/>
+              <a:t>Current road, next road, destination, previous car</a:t>
+            </a:r>
+          </a:p>
+          <a:p>
+            <a:pPr lvl="1"/>
+            <a:r>
+              <a:rPr lang="en-US" sz="1850" dirty="0" smtClean="0"/>
+              <a:t>&gt;Update its status using the percept</a:t>
+            </a:r>
+          </a:p>
+          <a:p>
+            <a:pPr lvl="3"/>
+            <a:r>
+              <a:rPr lang="en-US" sz="1550" dirty="0" smtClean="0"/>
+              <a:t>Traveling or reached destination or dead end</a:t>
+            </a:r>
+          </a:p>
+          <a:p>
+            <a:pPr lvl="1"/>
+            <a:r>
+              <a:rPr lang="en-US" sz="1850" dirty="0" smtClean="0"/>
+              <a:t>&gt;Generate an action</a:t>
+            </a:r>
+          </a:p>
+          <a:p>
+            <a:pPr lvl="3"/>
+            <a:r>
+              <a:rPr lang="en-US" sz="1400" dirty="0" smtClean="0"/>
+              <a:t>Start moving, keep moving on the current lane; Passing an intersection; Reached destination; IDM to keep distance to other cars.</a:t>
+            </a:r>
+            <a:endParaRPr lang="en-US" sz="1400" dirty="0"/>
+          </a:p>
+          <a:p>
+            <a:pPr lvl="1"/>
+            <a:r>
+              <a:rPr lang="en-US" sz="1700" dirty="0" smtClean="0"/>
+              <a:t>&gt;The traffic simulator decide if the action works</a:t>
+            </a:r>
+          </a:p>
+          <a:p>
+            <a:pPr lvl="3"/>
+            <a:r>
+              <a:rPr lang="en-US" sz="1250" dirty="0" smtClean="0"/>
+              <a:t>Currently all of them works</a:t>
+            </a:r>
+          </a:p>
+          <a:p>
+            <a:pPr lvl="1"/>
+            <a:r>
+              <a:rPr lang="en-US" sz="1550" dirty="0" smtClean="0"/>
+              <a:t>&gt;Do this update process 25 times a second.</a:t>
+            </a:r>
+          </a:p>
+        </p:txBody>
+      </p:sp>
+    </p:spTree>
+    <p:extLst>
+      <p:ext uri="{BB962C8B-B14F-4D97-AF65-F5344CB8AC3E}">
+        <p14:creationId xmlns:p14="http://schemas.microsoft.com/office/powerpoint/2010/main" val="733517347"/>
+      </p:ext>
+    </p:extLst>
+  </p:cSld>
+  <p:clrMapOvr>
+    <a:masterClrMapping/>
+  </p:clrMapOvr>
+  <mc:AlternateContent xmlns:mc="http://schemas.openxmlformats.org/markup-compatibility/2006" xmlns:p14="http://schemas.microsoft.com/office/powerpoint/2010/main">
+    <mc:Choice Requires="p14">
+      <p:transition spd="med" p14:dur="700">
+        <p:fade/>
+      </p:transition>
+    </mc:Choice>
+    <mc:Fallback xmlns="">
+      <p:transition spd="med">
+        <p:fade/>
+      </p:transition>
+    </mc:Fallback>
+  </mc:AlternateContent>
+</p:sld>
+</file>
+
+<file path=ppt/slides/slide12.xml><?xml version="1.0" encoding="utf-8"?>
+<p:sld xmlns:a="http://schemas.openxmlformats.org/drawingml/2006/main" xmlns:r="http://schemas.openxmlformats.org/officeDocument/2006/relationships" xmlns:p="http://schemas.openxmlformats.org/presentationml/2006/main">
+  <p:cSld>
+    <p:spTree>
+      <p:nvGrpSpPr>
+        <p:cNvPr id="1" name=""/>
+        <p:cNvGrpSpPr/>
+        <p:nvPr/>
+      </p:nvGrpSpPr>
+      <p:grpSpPr>
+        <a:xfrm>
+          <a:off x="0" y="0"/>
+          <a:ext cx="0" cy="0"/>
+          <a:chOff x="0" y="0"/>
+          <a:chExt cx="0" cy="0"/>
+        </a:xfrm>
+      </p:grpSpPr>
+      <p:sp>
+        <p:nvSpPr>
+          <p:cNvPr id="2" name="Title 1"/>
+          <p:cNvSpPr>
+            <a:spLocks noGrp="1"/>
+          </p:cNvSpPr>
+          <p:nvPr>
+            <p:ph type="title"/>
+          </p:nvPr>
+        </p:nvSpPr>
         <p:spPr>
           <a:xfrm>
             <a:off x="3581400" y="2286000"/>
@@ -11806,7 +12142,7 @@
 </p:sld>
 </file>
 
-<file path=ppt/slides/slide11.xml><?xml version="1.0" encoding="utf-8"?>
+<file path=ppt/slides/slide13.xml><?xml version="1.0" encoding="utf-8"?>
 <p:sld xmlns:a="http://schemas.openxmlformats.org/drawingml/2006/main" xmlns:r="http://schemas.openxmlformats.org/officeDocument/2006/relationships" xmlns:p="http://schemas.openxmlformats.org/presentationml/2006/main">
   <p:cSld>
     <p:spTree>
@@ -11931,7 +12267,7 @@
 </p:sld>
 </file>
 
-<file path=ppt/slides/slide12.xml><?xml version="1.0" encoding="utf-8"?>
+<file path=ppt/slides/slide14.xml><?xml version="1.0" encoding="utf-8"?>
 <p:sld xmlns:a="http://schemas.openxmlformats.org/drawingml/2006/main" xmlns:r="http://schemas.openxmlformats.org/officeDocument/2006/relationships" xmlns:p="http://schemas.openxmlformats.org/presentationml/2006/main">
   <p:cSld>
     <p:spTree>
@@ -12073,7 +12409,7 @@
 </p:sld>
 </file>
 
-<file path=ppt/slides/slide13.xml><?xml version="1.0" encoding="utf-8"?>
+<file path=ppt/slides/slide15.xml><?xml version="1.0" encoding="utf-8"?>
 <p:sld xmlns:a="http://schemas.openxmlformats.org/drawingml/2006/main" xmlns:r="http://schemas.openxmlformats.org/officeDocument/2006/relationships" xmlns:p="http://schemas.openxmlformats.org/presentationml/2006/main">
   <p:cSld>
     <p:spTree>
@@ -12341,7 +12677,7 @@
         <p:spPr>
           <a:xfrm>
             <a:off x="641714" y="3633478"/>
-            <a:ext cx="7873637" cy="1708160"/>
+            <a:ext cx="7873637" cy="2144177"/>
           </a:xfrm>
           <a:prstGeom prst="rect">
             <a:avLst/>
@@ -12382,8 +12718,29 @@
             </a:pPr>
             <a:r>
               <a:rPr lang="en-US" sz="2000" dirty="0"/>
-              <a:t>Traffic simulation</a:t>
-            </a:r>
+              <a:t>Traffic </a:t>
+            </a:r>
+            <a:r>
+              <a:rPr lang="en-US" sz="2000" dirty="0" smtClean="0"/>
+              <a:t>simulation</a:t>
+            </a:r>
+          </a:p>
+          <a:p>
+            <a:pPr marL="214313" indent="-214313">
+              <a:spcBef>
+                <a:spcPts val="450"/>
+              </a:spcBef>
+              <a:spcAft>
+                <a:spcPts val="450"/>
+              </a:spcAft>
+              <a:buFont typeface="Arial" charset="0"/>
+              <a:buChar char="•"/>
+            </a:pPr>
+            <a:r>
+              <a:rPr lang="en-US" sz="2000" dirty="0" smtClean="0"/>
+              <a:t>Visualization</a:t>
+            </a:r>
+            <a:endParaRPr lang="en-US" sz="2000" dirty="0"/>
           </a:p>
           <a:p>
             <a:pPr marL="214313" indent="-214313">

--- a/Presentation.pptx
+++ b/Presentation.pptx
@@ -17690,6 +17690,80 @@
           </p:sp>
         </mc:Fallback>
       </mc:AlternateContent>
+      <p:sp>
+        <p:nvSpPr>
+          <p:cNvPr id="4" name="TextBox 3"/>
+          <p:cNvSpPr txBox="1"/>
+          <p:nvPr/>
+        </p:nvSpPr>
+        <p:spPr>
+          <a:xfrm>
+            <a:off x="280987" y="6019800"/>
+            <a:ext cx="8634413" cy="523220"/>
+          </a:xfrm>
+          <a:prstGeom prst="rect">
+            <a:avLst/>
+          </a:prstGeom>
+          <a:noFill/>
+        </p:spPr>
+        <p:txBody>
+          <a:bodyPr wrap="square" rtlCol="0">
+            <a:spAutoFit/>
+          </a:bodyPr>
+          <a:lstStyle/>
+          <a:p>
+            <a:r>
+              <a:rPr lang="en-US" sz="1400" smtClean="0"/>
+              <a:t>Reference: Martin </a:t>
+            </a:r>
+            <a:r>
+              <a:rPr lang="en-US" sz="1400" dirty="0" err="1"/>
+              <a:t>Treiber</a:t>
+            </a:r>
+            <a:r>
+              <a:rPr lang="en-US" sz="1400" dirty="0"/>
+              <a:t>, </a:t>
+            </a:r>
+            <a:r>
+              <a:rPr lang="en-US" sz="1400" dirty="0" err="1"/>
+              <a:t>Ansgar</a:t>
+            </a:r>
+            <a:r>
+              <a:rPr lang="en-US" sz="1400" dirty="0"/>
+              <a:t> </a:t>
+            </a:r>
+            <a:r>
+              <a:rPr lang="en-US" sz="1400" dirty="0" err="1"/>
+              <a:t>Hennecke</a:t>
+            </a:r>
+            <a:r>
+              <a:rPr lang="en-US" sz="1400" dirty="0"/>
+              <a:t>, and Dirk </a:t>
+            </a:r>
+            <a:r>
+              <a:rPr lang="en-US" sz="1400" dirty="0" smtClean="0"/>
+              <a:t>Helbing, Congested </a:t>
+            </a:r>
+            <a:r>
+              <a:rPr lang="en-US" sz="1400" dirty="0"/>
+              <a:t>Traffic States in Empirical Observations </a:t>
+            </a:r>
+            <a:r>
+              <a:rPr lang="en-US" sz="1400" dirty="0" smtClean="0"/>
+              <a:t>and Microscopic Simulations </a:t>
+            </a:r>
+            <a:r>
+              <a:rPr lang="en-US" sz="1400" dirty="0"/>
+              <a:t>(March 18, 2014</a:t>
+            </a:r>
+            <a:r>
+              <a:rPr lang="en-US" sz="1400" dirty="0" smtClean="0"/>
+              <a:t>)</a:t>
+            </a:r>
+            <a:endParaRPr lang="en-US" sz="1400" dirty="0"/>
+          </a:p>
+        </p:txBody>
+      </p:sp>
     </p:spTree>
     <p:extLst>
       <p:ext uri="{BB962C8B-B14F-4D97-AF65-F5344CB8AC3E}">

--- a/Presentation.pptx
+++ b/Presentation.pptx
@@ -5,27 +5,28 @@
     <p:sldMasterId id="2147483648" r:id="rId1"/>
   </p:sldMasterIdLst>
   <p:notesMasterIdLst>
-    <p:notesMasterId r:id="rId17"/>
+    <p:notesMasterId r:id="rId18"/>
   </p:notesMasterIdLst>
   <p:handoutMasterIdLst>
-    <p:handoutMasterId r:id="rId18"/>
+    <p:handoutMasterId r:id="rId19"/>
   </p:handoutMasterIdLst>
   <p:sldIdLst>
     <p:sldId id="256" r:id="rId2"/>
     <p:sldId id="257" r:id="rId3"/>
     <p:sldId id="267" r:id="rId4"/>
-    <p:sldId id="268" r:id="rId5"/>
-    <p:sldId id="269" r:id="rId6"/>
-    <p:sldId id="270" r:id="rId7"/>
-    <p:sldId id="271" r:id="rId8"/>
-    <p:sldId id="272" r:id="rId9"/>
-    <p:sldId id="273" r:id="rId10"/>
-    <p:sldId id="278" r:id="rId11"/>
-    <p:sldId id="279" r:id="rId12"/>
-    <p:sldId id="274" r:id="rId13"/>
-    <p:sldId id="275" r:id="rId14"/>
-    <p:sldId id="276" r:id="rId15"/>
-    <p:sldId id="277" r:id="rId16"/>
+    <p:sldId id="280" r:id="rId5"/>
+    <p:sldId id="268" r:id="rId6"/>
+    <p:sldId id="269" r:id="rId7"/>
+    <p:sldId id="270" r:id="rId8"/>
+    <p:sldId id="271" r:id="rId9"/>
+    <p:sldId id="272" r:id="rId10"/>
+    <p:sldId id="273" r:id="rId11"/>
+    <p:sldId id="278" r:id="rId12"/>
+    <p:sldId id="279" r:id="rId13"/>
+    <p:sldId id="274" r:id="rId14"/>
+    <p:sldId id="275" r:id="rId15"/>
+    <p:sldId id="276" r:id="rId16"/>
+    <p:sldId id="277" r:id="rId17"/>
   </p:sldIdLst>
   <p:sldSz cx="9144000" cy="6858000" type="screen4x3"/>
   <p:notesSz cx="6858000" cy="9144000"/>
@@ -8386,7 +8387,7 @@
           <a:p>
             <a:fld id="{8DAEC444-603B-4F09-9A06-5917518DD901}" type="slidenum">
               <a:rPr lang="en-US" smtClean="0"/>
-              <a:t>4</a:t>
+              <a:t>5</a:t>
             </a:fld>
             <a:endParaRPr lang="en-US"/>
           </a:p>
@@ -11765,116 +11766,46 @@
           <a:p>
             <a:pPr algn="r"/>
             <a:r>
-              <a:rPr lang="en-US" sz="3200" dirty="0"/>
+              <a:rPr lang="en-US" sz="3200" dirty="0" smtClean="0"/>
               <a:t>Traffic Simulation </a:t>
             </a:r>
             <a:br>
-              <a:rPr lang="en-US" sz="3200" dirty="0"/>
+              <a:rPr lang="en-US" sz="3200" dirty="0" smtClean="0"/>
             </a:br>
             <a:r>
               <a:rPr lang="en-US" sz="3200" dirty="0" smtClean="0"/>
-              <a:t>– User Interaction</a:t>
-            </a:r>
-            <a:endParaRPr lang="en-US" sz="2800" dirty="0"/>
+              <a:t>– Integration and Views</a:t>
+            </a:r>
+            <a:endParaRPr lang="en-US" sz="3200" dirty="0"/>
           </a:p>
         </p:txBody>
       </p:sp>
-      <p:sp>
-        <p:nvSpPr>
-          <p:cNvPr id="3" name="Content Placeholder 2"/>
-          <p:cNvSpPr>
-            <a:spLocks noGrp="1"/>
-          </p:cNvSpPr>
+      <p:graphicFrame>
+        <p:nvGraphicFramePr>
+          <p:cNvPr id="4" name="Diagram 3"/>
+          <p:cNvGraphicFramePr/>
           <p:nvPr>
-            <p:ph idx="1"/>
+            <p:extLst>
+              <p:ext uri="{D42A27DB-BD31-4B8C-83A1-F6EECF244321}">
+                <p14:modId xmlns:p14="http://schemas.microsoft.com/office/powerpoint/2010/main" val="2120106483"/>
+              </p:ext>
+            </p:extLst>
           </p:nvPr>
-        </p:nvSpPr>
-        <p:spPr/>
-        <p:txBody>
-          <a:bodyPr>
-            <a:normAutofit/>
-          </a:bodyPr>
-          <a:lstStyle/>
-          <a:p>
-            <a:r>
-              <a:rPr lang="en-US" sz="2400" dirty="0" smtClean="0"/>
-              <a:t>User operation:</a:t>
-            </a:r>
-          </a:p>
-          <a:p>
-            <a:pPr lvl="1"/>
-            <a:r>
-              <a:rPr lang="en-US" sz="2250" dirty="0" smtClean="0"/>
-              <a:t>Drag a line: </a:t>
-            </a:r>
-          </a:p>
-          <a:p>
-            <a:pPr lvl="3"/>
-            <a:r>
-              <a:rPr lang="en-US" sz="1950" dirty="0"/>
-              <a:t>C</a:t>
-            </a:r>
-            <a:r>
-              <a:rPr lang="en-US" sz="1950" dirty="0" smtClean="0"/>
-              <a:t>reate a road, if the road connect with other roads, create an intersection to connect them</a:t>
-            </a:r>
-          </a:p>
-          <a:p>
-            <a:pPr lvl="3"/>
-            <a:r>
-              <a:rPr lang="en-US" sz="1950" dirty="0" smtClean="0"/>
-              <a:t>Draw thousands of shapes</a:t>
-            </a:r>
-          </a:p>
-          <a:p>
-            <a:pPr lvl="1"/>
-            <a:r>
-              <a:rPr lang="en-US" sz="2250" dirty="0" smtClean="0"/>
-              <a:t>Double click:</a:t>
-            </a:r>
-          </a:p>
-          <a:p>
-            <a:pPr lvl="3"/>
-            <a:r>
-              <a:rPr lang="en-US" sz="1950" dirty="0" smtClean="0"/>
-              <a:t>Start traffic simulation</a:t>
-            </a:r>
-          </a:p>
-          <a:p>
-            <a:pPr lvl="1"/>
-            <a:r>
-              <a:rPr lang="en-US" sz="2250" dirty="0" smtClean="0"/>
-              <a:t>In the code:</a:t>
-            </a:r>
-          </a:p>
-          <a:p>
-            <a:pPr lvl="3"/>
-            <a:r>
-              <a:rPr lang="en-US" sz="1950" dirty="0" smtClean="0"/>
-              <a:t>Change experimental parameters</a:t>
-            </a:r>
-          </a:p>
-          <a:p>
-            <a:pPr lvl="1"/>
-            <a:r>
-              <a:rPr lang="en-US" sz="2250" dirty="0" smtClean="0"/>
-              <a:t>Extend the code:</a:t>
-            </a:r>
-          </a:p>
-          <a:p>
-            <a:pPr lvl="3"/>
-            <a:r>
-              <a:rPr lang="en-US" sz="1950" dirty="0" smtClean="0"/>
-              <a:t>Automatically create road network of complicated shapes and traffic of various densities.</a:t>
-            </a:r>
-            <a:endParaRPr lang="en-US" sz="1950" dirty="0"/>
-          </a:p>
-        </p:txBody>
-      </p:sp>
+        </p:nvGraphicFramePr>
+        <p:xfrm>
+          <a:off x="762000" y="2039938"/>
+          <a:ext cx="7753350" cy="4064000"/>
+        </p:xfrm>
+        <a:graphic>
+          <a:graphicData uri="http://schemas.openxmlformats.org/drawingml/2006/diagram">
+            <dgm:relIds xmlns:dgm="http://schemas.openxmlformats.org/drawingml/2006/diagram" xmlns:r="http://schemas.openxmlformats.org/officeDocument/2006/relationships" r:dm="rId2" r:lo="rId3" r:qs="rId4" r:cs="rId5"/>
+          </a:graphicData>
+        </a:graphic>
+      </p:graphicFrame>
     </p:spTree>
     <p:extLst>
       <p:ext uri="{BB962C8B-B14F-4D97-AF65-F5344CB8AC3E}">
-        <p14:creationId xmlns:p14="http://schemas.microsoft.com/office/powerpoint/2010/main" val="67870036"/>
+        <p14:creationId xmlns:p14="http://schemas.microsoft.com/office/powerpoint/2010/main" val="783240732"/>
       </p:ext>
     </p:extLst>
   </p:cSld>
@@ -11893,6 +11824,13 @@
       </p:transition>
     </mc:Fallback>
   </mc:AlternateContent>
+  <p:timing>
+    <p:tnLst>
+      <p:par>
+        <p:cTn id="1" dur="indefinite" restart="never" nodeType="tmRoot"/>
+      </p:par>
+    </p:tnLst>
+  </p:timing>
 </p:sld>
 </file>
 
@@ -11939,12 +11877,8 @@
               <a:rPr lang="en-US" sz="3200" dirty="0"/>
             </a:br>
             <a:r>
-              <a:rPr lang="en-US" sz="3200" dirty="0"/>
-              <a:t>– </a:t>
-            </a:r>
-            <a:r>
               <a:rPr lang="en-US" sz="3200" dirty="0" smtClean="0"/>
-              <a:t>Detailed Process Example</a:t>
+              <a:t>– User Interaction</a:t>
             </a:r>
             <a:endParaRPr lang="en-US" sz="2800" dirty="0"/>
           </a:p>
@@ -11968,80 +11902,84 @@
           <a:lstStyle/>
           <a:p>
             <a:r>
-              <a:rPr lang="en-US" sz="2000" dirty="0" smtClean="0"/>
-              <a:t>Car agent working:</a:t>
+              <a:rPr lang="en-US" sz="2400" dirty="0" smtClean="0"/>
+              <a:t>User operation:</a:t>
             </a:r>
           </a:p>
           <a:p>
             <a:pPr lvl="1"/>
             <a:r>
-              <a:rPr lang="en-US" sz="1850" dirty="0" smtClean="0"/>
-              <a:t>&gt;Get percept from the road network and traffic situation</a:t>
+              <a:rPr lang="en-US" sz="2250" dirty="0" smtClean="0"/>
+              <a:t>Drag a line: </a:t>
             </a:r>
           </a:p>
           <a:p>
             <a:pPr lvl="3"/>
             <a:r>
-              <a:rPr lang="en-US" sz="1550" dirty="0" smtClean="0"/>
-              <a:t>Current road, next road, destination, previous car</a:t>
+              <a:rPr lang="en-US" sz="1950" dirty="0"/>
+              <a:t>C</a:t>
+            </a:r>
+            <a:r>
+              <a:rPr lang="en-US" sz="1950" dirty="0" smtClean="0"/>
+              <a:t>reate a road, if the road connect with other roads, create an intersection to connect them</a:t>
+            </a:r>
+          </a:p>
+          <a:p>
+            <a:pPr lvl="3"/>
+            <a:r>
+              <a:rPr lang="en-US" sz="1950" dirty="0" smtClean="0"/>
+              <a:t>Draw thousands of shapes</a:t>
             </a:r>
           </a:p>
           <a:p>
             <a:pPr lvl="1"/>
             <a:r>
-              <a:rPr lang="en-US" sz="1850" dirty="0" smtClean="0"/>
-              <a:t>&gt;Update its status using the percept</a:t>
+              <a:rPr lang="en-US" sz="2250" dirty="0" smtClean="0"/>
+              <a:t>Double click:</a:t>
             </a:r>
           </a:p>
           <a:p>
             <a:pPr lvl="3"/>
             <a:r>
-              <a:rPr lang="en-US" sz="1550" dirty="0" smtClean="0"/>
-              <a:t>Traveling or reached destination or dead end</a:t>
+              <a:rPr lang="en-US" sz="1950" dirty="0" smtClean="0"/>
+              <a:t>Start traffic simulation</a:t>
             </a:r>
           </a:p>
           <a:p>
             <a:pPr lvl="1"/>
             <a:r>
-              <a:rPr lang="en-US" sz="1850" dirty="0" smtClean="0"/>
-              <a:t>&gt;Generate an action</a:t>
+              <a:rPr lang="en-US" sz="2250" dirty="0" smtClean="0"/>
+              <a:t>In the code:</a:t>
             </a:r>
           </a:p>
           <a:p>
             <a:pPr lvl="3"/>
             <a:r>
-              <a:rPr lang="en-US" sz="1400" dirty="0" smtClean="0"/>
-              <a:t>Start moving, keep moving on the current lane; Passing an intersection; Reached destination; IDM to keep distance to other cars.</a:t>
-            </a:r>
-            <a:endParaRPr lang="en-US" sz="1400" dirty="0"/>
+              <a:rPr lang="en-US" sz="1950" dirty="0" smtClean="0"/>
+              <a:t>Change experimental parameters</a:t>
+            </a:r>
           </a:p>
           <a:p>
             <a:pPr lvl="1"/>
             <a:r>
-              <a:rPr lang="en-US" sz="1700" dirty="0" smtClean="0"/>
-              <a:t>&gt;The traffic simulator decide if the action works</a:t>
+              <a:rPr lang="en-US" sz="2250" dirty="0" smtClean="0"/>
+              <a:t>Extend the code:</a:t>
             </a:r>
           </a:p>
           <a:p>
             <a:pPr lvl="3"/>
             <a:r>
-              <a:rPr lang="en-US" sz="1250" dirty="0" smtClean="0"/>
-              <a:t>Currently all of them works</a:t>
-            </a:r>
-          </a:p>
-          <a:p>
-            <a:pPr lvl="1"/>
-            <a:r>
-              <a:rPr lang="en-US" sz="1550" dirty="0" smtClean="0"/>
-              <a:t>&gt;Do this update process 25 times a second.</a:t>
-            </a:r>
+              <a:rPr lang="en-US" sz="1950" dirty="0" smtClean="0"/>
+              <a:t>Automatically create road network of complicated shapes and traffic of various densities.</a:t>
+            </a:r>
+            <a:endParaRPr lang="en-US" sz="1950" dirty="0"/>
           </a:p>
         </p:txBody>
       </p:sp>
     </p:spTree>
     <p:extLst>
       <p:ext uri="{BB962C8B-B14F-4D97-AF65-F5344CB8AC3E}">
-        <p14:creationId xmlns:p14="http://schemas.microsoft.com/office/powerpoint/2010/main" val="733517347"/>
+        <p14:creationId xmlns:p14="http://schemas.microsoft.com/office/powerpoint/2010/main" val="67870036"/>
       </p:ext>
     </p:extLst>
   </p:cSld>
@@ -12090,6 +12028,173 @@
             <p:ph type="title"/>
           </p:nvPr>
         </p:nvSpPr>
+        <p:spPr/>
+        <p:txBody>
+          <a:bodyPr>
+            <a:normAutofit/>
+          </a:bodyPr>
+          <a:lstStyle/>
+          <a:p>
+            <a:pPr algn="r"/>
+            <a:r>
+              <a:rPr lang="en-US" sz="3200" dirty="0"/>
+              <a:t>Traffic Simulation </a:t>
+            </a:r>
+            <a:br>
+              <a:rPr lang="en-US" sz="3200" dirty="0"/>
+            </a:br>
+            <a:r>
+              <a:rPr lang="en-US" sz="3200" dirty="0"/>
+              <a:t>– </a:t>
+            </a:r>
+            <a:r>
+              <a:rPr lang="en-US" sz="3200" dirty="0" smtClean="0"/>
+              <a:t>Detailed Process Example</a:t>
+            </a:r>
+            <a:endParaRPr lang="en-US" sz="2800" dirty="0"/>
+          </a:p>
+        </p:txBody>
+      </p:sp>
+      <p:sp>
+        <p:nvSpPr>
+          <p:cNvPr id="3" name="Content Placeholder 2"/>
+          <p:cNvSpPr>
+            <a:spLocks noGrp="1"/>
+          </p:cNvSpPr>
+          <p:nvPr>
+            <p:ph idx="1"/>
+          </p:nvPr>
+        </p:nvSpPr>
+        <p:spPr/>
+        <p:txBody>
+          <a:bodyPr>
+            <a:normAutofit/>
+          </a:bodyPr>
+          <a:lstStyle/>
+          <a:p>
+            <a:r>
+              <a:rPr lang="en-US" sz="2000" dirty="0" smtClean="0"/>
+              <a:t>Car agent working:</a:t>
+            </a:r>
+          </a:p>
+          <a:p>
+            <a:pPr lvl="1"/>
+            <a:r>
+              <a:rPr lang="en-US" sz="1850" dirty="0" smtClean="0"/>
+              <a:t>&gt;Get percept from the road network and traffic situation</a:t>
+            </a:r>
+          </a:p>
+          <a:p>
+            <a:pPr lvl="3"/>
+            <a:r>
+              <a:rPr lang="en-US" sz="1550" dirty="0" smtClean="0"/>
+              <a:t>Current road, next road, destination, previous car</a:t>
+            </a:r>
+          </a:p>
+          <a:p>
+            <a:pPr lvl="1"/>
+            <a:r>
+              <a:rPr lang="en-US" sz="1850" dirty="0" smtClean="0"/>
+              <a:t>&gt;Update its status using the percept</a:t>
+            </a:r>
+          </a:p>
+          <a:p>
+            <a:pPr lvl="3"/>
+            <a:r>
+              <a:rPr lang="en-US" sz="1550" dirty="0" smtClean="0"/>
+              <a:t>Traveling or reached destination or dead end</a:t>
+            </a:r>
+          </a:p>
+          <a:p>
+            <a:pPr lvl="1"/>
+            <a:r>
+              <a:rPr lang="en-US" sz="1850" dirty="0" smtClean="0"/>
+              <a:t>&gt;Generate an action</a:t>
+            </a:r>
+          </a:p>
+          <a:p>
+            <a:pPr lvl="3"/>
+            <a:r>
+              <a:rPr lang="en-US" sz="1400" dirty="0" smtClean="0"/>
+              <a:t>Start moving, keep moving on the current lane; Passing an intersection; Reached destination; IDM to keep distance to other cars.</a:t>
+            </a:r>
+            <a:endParaRPr lang="en-US" sz="1400" dirty="0"/>
+          </a:p>
+          <a:p>
+            <a:pPr lvl="1"/>
+            <a:r>
+              <a:rPr lang="en-US" sz="1700" dirty="0" smtClean="0"/>
+              <a:t>&gt;The traffic simulator decide if the action works</a:t>
+            </a:r>
+          </a:p>
+          <a:p>
+            <a:pPr lvl="3"/>
+            <a:r>
+              <a:rPr lang="en-US" sz="1250" dirty="0" smtClean="0"/>
+              <a:t>Currently all of them works</a:t>
+            </a:r>
+          </a:p>
+          <a:p>
+            <a:pPr lvl="1"/>
+            <a:r>
+              <a:rPr lang="en-US" sz="1550" dirty="0" smtClean="0"/>
+              <a:t>&gt;Do this update process 25 times a second.</a:t>
+            </a:r>
+          </a:p>
+        </p:txBody>
+      </p:sp>
+    </p:spTree>
+    <p:extLst>
+      <p:ext uri="{BB962C8B-B14F-4D97-AF65-F5344CB8AC3E}">
+        <p14:creationId xmlns:p14="http://schemas.microsoft.com/office/powerpoint/2010/main" val="733517347"/>
+      </p:ext>
+    </p:extLst>
+  </p:cSld>
+  <p:clrMapOvr>
+    <a:masterClrMapping/>
+  </p:clrMapOvr>
+  <mc:AlternateContent xmlns:mc="http://schemas.openxmlformats.org/markup-compatibility/2006" xmlns:p14="http://schemas.microsoft.com/office/powerpoint/2010/main">
+    <mc:Choice Requires="p14">
+      <p:transition spd="med" p14:dur="700">
+        <p:fade/>
+      </p:transition>
+    </mc:Choice>
+    <mc:Fallback xmlns="">
+      <p:transition spd="med">
+        <p:fade/>
+      </p:transition>
+    </mc:Fallback>
+  </mc:AlternateContent>
+</p:sld>
+</file>
+
+<file path=ppt/slides/slide13.xml><?xml version="1.0" encoding="utf-8"?>
+<p:sld xmlns:a="http://schemas.openxmlformats.org/drawingml/2006/main" xmlns:r="http://schemas.openxmlformats.org/officeDocument/2006/relationships" xmlns:p="http://schemas.openxmlformats.org/presentationml/2006/main">
+  <p:cSld>
+    <p:spTree>
+      <p:nvGrpSpPr>
+        <p:cNvPr id="1" name=""/>
+        <p:cNvGrpSpPr/>
+        <p:nvPr/>
+      </p:nvGrpSpPr>
+      <p:grpSpPr>
+        <a:xfrm>
+          <a:off x="0" y="0"/>
+          <a:ext cx="0" cy="0"/>
+          <a:chOff x="0" y="0"/>
+          <a:chExt cx="0" cy="0"/>
+        </a:xfrm>
+      </p:grpSpPr>
+      <p:sp>
+        <p:nvSpPr>
+          <p:cNvPr id="2" name="Title 1"/>
+          <p:cNvSpPr>
+            <a:spLocks noGrp="1"/>
+          </p:cNvSpPr>
+          <p:nvPr>
+            <p:ph type="title"/>
+          </p:nvPr>
+        </p:nvSpPr>
         <p:spPr>
           <a:xfrm>
             <a:off x="3581400" y="2286000"/>
@@ -12142,7 +12247,7 @@
 </p:sld>
 </file>
 
-<file path=ppt/slides/slide13.xml><?xml version="1.0" encoding="utf-8"?>
+<file path=ppt/slides/slide14.xml><?xml version="1.0" encoding="utf-8"?>
 <p:sld xmlns:a="http://schemas.openxmlformats.org/drawingml/2006/main" xmlns:r="http://schemas.openxmlformats.org/officeDocument/2006/relationships" xmlns:p="http://schemas.openxmlformats.org/presentationml/2006/main">
   <p:cSld>
     <p:spTree>
@@ -12267,7 +12372,7 @@
 </p:sld>
 </file>
 
-<file path=ppt/slides/slide14.xml><?xml version="1.0" encoding="utf-8"?>
+<file path=ppt/slides/slide15.xml><?xml version="1.0" encoding="utf-8"?>
 <p:sld xmlns:a="http://schemas.openxmlformats.org/drawingml/2006/main" xmlns:r="http://schemas.openxmlformats.org/officeDocument/2006/relationships" xmlns:p="http://schemas.openxmlformats.org/presentationml/2006/main">
   <p:cSld>
     <p:spTree>
@@ -12409,7 +12514,7 @@
 </p:sld>
 </file>
 
-<file path=ppt/slides/slide15.xml><?xml version="1.0" encoding="utf-8"?>
+<file path=ppt/slides/slide16.xml><?xml version="1.0" encoding="utf-8"?>
 <p:sld xmlns:a="http://schemas.openxmlformats.org/drawingml/2006/main" xmlns:r="http://schemas.openxmlformats.org/officeDocument/2006/relationships" xmlns:p="http://schemas.openxmlformats.org/presentationml/2006/main">
   <p:cSld>
     <p:spTree>
@@ -14360,6 +14465,1025 @@
             <p:ph type="title"/>
           </p:nvPr>
         </p:nvSpPr>
+        <p:spPr/>
+        <p:txBody>
+          <a:bodyPr>
+            <a:normAutofit/>
+          </a:bodyPr>
+          <a:lstStyle/>
+          <a:p>
+            <a:pPr algn="r"/>
+            <a:r>
+              <a:rPr lang="en-US" sz="3200" dirty="0"/>
+              <a:t>Road Network </a:t>
+            </a:r>
+            <a:r>
+              <a:rPr lang="en-US" sz="3200" dirty="0" smtClean="0"/>
+              <a:t>Representation</a:t>
+            </a:r>
+            <a:br>
+              <a:rPr lang="en-US" sz="3200" dirty="0" smtClean="0"/>
+            </a:br>
+            <a:r>
+              <a:rPr lang="en-US" sz="3200" dirty="0" smtClean="0"/>
+              <a:t>- Basic Element: Road Tile</a:t>
+            </a:r>
+            <a:endParaRPr lang="en-US" sz="2800" dirty="0"/>
+          </a:p>
+        </p:txBody>
+      </p:sp>
+      <p:grpSp>
+        <p:nvGrpSpPr>
+          <p:cNvPr id="31" name="Group 30"/>
+          <p:cNvGrpSpPr/>
+          <p:nvPr/>
+        </p:nvGrpSpPr>
+        <p:grpSpPr>
+          <a:xfrm>
+            <a:off x="838200" y="2209800"/>
+            <a:ext cx="3278503" cy="3295022"/>
+            <a:chOff x="302897" y="1610312"/>
+            <a:chExt cx="4512285" cy="4535021"/>
+          </a:xfrm>
+        </p:grpSpPr>
+        <p:cxnSp>
+          <p:nvCxnSpPr>
+            <p:cNvPr id="15" name="Straight Arrow Connector 14"/>
+            <p:cNvCxnSpPr/>
+            <p:nvPr/>
+          </p:nvCxnSpPr>
+          <p:spPr>
+            <a:xfrm flipV="1">
+              <a:off x="561198" y="1676400"/>
+              <a:ext cx="0" cy="4091304"/>
+            </a:xfrm>
+            <a:prstGeom prst="straightConnector1">
+              <a:avLst/>
+            </a:prstGeom>
+            <a:ln w="38100">
+              <a:solidFill>
+                <a:schemeClr val="tx1"/>
+              </a:solidFill>
+              <a:tailEnd type="triangle"/>
+            </a:ln>
+          </p:spPr>
+          <p:style>
+            <a:lnRef idx="1">
+              <a:schemeClr val="accent1"/>
+            </a:lnRef>
+            <a:fillRef idx="0">
+              <a:schemeClr val="accent1"/>
+            </a:fillRef>
+            <a:effectRef idx="0">
+              <a:schemeClr val="accent1"/>
+            </a:effectRef>
+            <a:fontRef idx="minor">
+              <a:schemeClr val="tx1"/>
+            </a:fontRef>
+          </p:style>
+        </p:cxnSp>
+        <p:grpSp>
+          <p:nvGrpSpPr>
+            <p:cNvPr id="30" name="Group 29"/>
+            <p:cNvGrpSpPr/>
+            <p:nvPr/>
+          </p:nvGrpSpPr>
+          <p:grpSpPr>
+            <a:xfrm>
+              <a:off x="302897" y="1610312"/>
+              <a:ext cx="4512285" cy="4535021"/>
+              <a:chOff x="302897" y="1610312"/>
+              <a:chExt cx="4512285" cy="4535021"/>
+            </a:xfrm>
+          </p:grpSpPr>
+          <p:cxnSp>
+            <p:nvCxnSpPr>
+              <p:cNvPr id="16" name="Straight Arrow Connector 15"/>
+              <p:cNvCxnSpPr/>
+              <p:nvPr/>
+            </p:nvCxnSpPr>
+            <p:spPr>
+              <a:xfrm>
+                <a:off x="559549" y="5766720"/>
+                <a:ext cx="4255633" cy="984"/>
+              </a:xfrm>
+              <a:prstGeom prst="straightConnector1">
+                <a:avLst/>
+              </a:prstGeom>
+              <a:ln w="38100">
+                <a:solidFill>
+                  <a:schemeClr val="tx1"/>
+                </a:solidFill>
+                <a:tailEnd type="triangle"/>
+              </a:ln>
+            </p:spPr>
+            <p:style>
+              <a:lnRef idx="1">
+                <a:schemeClr val="accent1"/>
+              </a:lnRef>
+              <a:fillRef idx="0">
+                <a:schemeClr val="accent1"/>
+              </a:fillRef>
+              <a:effectRef idx="0">
+                <a:schemeClr val="accent1"/>
+              </a:effectRef>
+              <a:fontRef idx="minor">
+                <a:schemeClr val="tx1"/>
+              </a:fontRef>
+            </p:style>
+          </p:cxnSp>
+          <p:grpSp>
+            <p:nvGrpSpPr>
+              <p:cNvPr id="29" name="Group 28"/>
+              <p:cNvGrpSpPr/>
+              <p:nvPr/>
+            </p:nvGrpSpPr>
+            <p:grpSpPr>
+              <a:xfrm>
+                <a:off x="302897" y="1610312"/>
+                <a:ext cx="4234937" cy="4535021"/>
+                <a:chOff x="302897" y="1610312"/>
+                <a:chExt cx="4234937" cy="4535021"/>
+              </a:xfrm>
+            </p:grpSpPr>
+            <p:sp>
+              <p:nvSpPr>
+                <p:cNvPr id="4" name="Rectangle 3"/>
+                <p:cNvSpPr/>
+                <p:nvPr/>
+              </p:nvSpPr>
+              <p:spPr>
+                <a:xfrm rot="1198741">
+                  <a:off x="1772966" y="2748256"/>
+                  <a:ext cx="1676400" cy="1752600"/>
+                </a:xfrm>
+                <a:prstGeom prst="rect">
+                  <a:avLst/>
+                </a:prstGeom>
+                <a:solidFill>
+                  <a:schemeClr val="tx1">
+                    <a:lumMod val="50000"/>
+                  </a:schemeClr>
+                </a:solidFill>
+              </p:spPr>
+              <p:style>
+                <a:lnRef idx="2">
+                  <a:schemeClr val="accent1">
+                    <a:shade val="50000"/>
+                  </a:schemeClr>
+                </a:lnRef>
+                <a:fillRef idx="1">
+                  <a:schemeClr val="accent1"/>
+                </a:fillRef>
+                <a:effectRef idx="0">
+                  <a:schemeClr val="accent1"/>
+                </a:effectRef>
+                <a:fontRef idx="minor">
+                  <a:schemeClr val="lt1"/>
+                </a:fontRef>
+              </p:style>
+              <p:txBody>
+                <a:bodyPr rtlCol="0" anchor="ctr"/>
+                <a:lstStyle/>
+                <a:p>
+                  <a:pPr algn="ctr"/>
+                  <a:endParaRPr lang="en-US"/>
+                </a:p>
+              </p:txBody>
+            </p:sp>
+            <p:grpSp>
+              <p:nvGrpSpPr>
+                <p:cNvPr id="11" name="Group 10"/>
+                <p:cNvGrpSpPr/>
+                <p:nvPr/>
+              </p:nvGrpSpPr>
+              <p:grpSpPr>
+                <a:xfrm>
+                  <a:off x="684498" y="1610312"/>
+                  <a:ext cx="3853336" cy="4028488"/>
+                  <a:chOff x="1823411" y="2800994"/>
+                  <a:chExt cx="1575510" cy="1647124"/>
+                </a:xfrm>
+              </p:grpSpPr>
+              <p:cxnSp>
+                <p:nvCxnSpPr>
+                  <p:cNvPr id="6" name="Straight Connector 5"/>
+                  <p:cNvCxnSpPr>
+                    <a:stCxn id="4" idx="0"/>
+                    <a:endCxn id="4" idx="2"/>
+                  </p:cNvCxnSpPr>
+                  <p:nvPr/>
+                </p:nvCxnSpPr>
+                <p:spPr>
+                  <a:xfrm rot="20431068" flipH="1">
+                    <a:off x="2311755" y="2800994"/>
+                    <a:ext cx="598822" cy="1647124"/>
+                  </a:xfrm>
+                  <a:prstGeom prst="line">
+                    <a:avLst/>
+                  </a:prstGeom>
+                  <a:ln>
+                    <a:solidFill>
+                      <a:schemeClr val="tx1"/>
+                    </a:solidFill>
+                    <a:prstDash val="lgDash"/>
+                  </a:ln>
+                </p:spPr>
+                <p:style>
+                  <a:lnRef idx="1">
+                    <a:schemeClr val="accent1"/>
+                  </a:lnRef>
+                  <a:fillRef idx="0">
+                    <a:schemeClr val="accent1"/>
+                  </a:fillRef>
+                  <a:effectRef idx="0">
+                    <a:schemeClr val="accent1"/>
+                  </a:effectRef>
+                  <a:fontRef idx="minor">
+                    <a:schemeClr val="tx1"/>
+                  </a:fontRef>
+                </p:style>
+              </p:cxnSp>
+              <p:cxnSp>
+                <p:nvCxnSpPr>
+                  <p:cNvPr id="7" name="Straight Connector 6"/>
+                  <p:cNvCxnSpPr>
+                    <a:stCxn id="4" idx="1"/>
+                    <a:endCxn id="4" idx="3"/>
+                  </p:cNvCxnSpPr>
+                  <p:nvPr/>
+                </p:nvCxnSpPr>
+                <p:spPr>
+                  <a:xfrm rot="20431068">
+                    <a:off x="1823411" y="3338163"/>
+                    <a:ext cx="1575510" cy="572786"/>
+                  </a:xfrm>
+                  <a:prstGeom prst="line">
+                    <a:avLst/>
+                  </a:prstGeom>
+                  <a:ln>
+                    <a:solidFill>
+                      <a:schemeClr val="tx1"/>
+                    </a:solidFill>
+                    <a:prstDash val="lgDash"/>
+                  </a:ln>
+                </p:spPr>
+                <p:style>
+                  <a:lnRef idx="1">
+                    <a:schemeClr val="accent1"/>
+                  </a:lnRef>
+                  <a:fillRef idx="0">
+                    <a:schemeClr val="accent1"/>
+                  </a:fillRef>
+                  <a:effectRef idx="0">
+                    <a:schemeClr val="accent1"/>
+                  </a:effectRef>
+                  <a:fontRef idx="minor">
+                    <a:schemeClr val="tx1"/>
+                  </a:fontRef>
+                </p:style>
+              </p:cxnSp>
+            </p:grpSp>
+            <p:sp>
+              <p:nvSpPr>
+                <p:cNvPr id="19" name="TextBox 18"/>
+                <p:cNvSpPr txBox="1"/>
+                <p:nvPr/>
+              </p:nvSpPr>
+              <p:spPr>
+                <a:xfrm>
+                  <a:off x="2457116" y="5776001"/>
+                  <a:ext cx="308098" cy="369332"/>
+                </a:xfrm>
+                <a:prstGeom prst="rect">
+                  <a:avLst/>
+                </a:prstGeom>
+                <a:noFill/>
+              </p:spPr>
+              <p:txBody>
+                <a:bodyPr wrap="none" rtlCol="0">
+                  <a:spAutoFit/>
+                </a:bodyPr>
+                <a:lstStyle/>
+                <a:p>
+                  <a:r>
+                    <a:rPr lang="en-US" dirty="0" smtClean="0"/>
+                    <a:t>x</a:t>
+                  </a:r>
+                  <a:endParaRPr lang="en-US" dirty="0"/>
+                </a:p>
+              </p:txBody>
+            </p:sp>
+            <p:sp>
+              <p:nvSpPr>
+                <p:cNvPr id="20" name="TextBox 19"/>
+                <p:cNvSpPr txBox="1"/>
+                <p:nvPr/>
+              </p:nvSpPr>
+              <p:spPr>
+                <a:xfrm>
+                  <a:off x="302897" y="3453869"/>
+                  <a:ext cx="308098" cy="369332"/>
+                </a:xfrm>
+                <a:prstGeom prst="rect">
+                  <a:avLst/>
+                </a:prstGeom>
+                <a:noFill/>
+              </p:spPr>
+              <p:txBody>
+                <a:bodyPr wrap="none" rtlCol="0">
+                  <a:spAutoFit/>
+                </a:bodyPr>
+                <a:lstStyle/>
+                <a:p>
+                  <a:r>
+                    <a:rPr lang="en-US" dirty="0" smtClean="0"/>
+                    <a:t>y</a:t>
+                  </a:r>
+                  <a:endParaRPr lang="en-US" dirty="0"/>
+                </a:p>
+              </p:txBody>
+            </p:sp>
+            <p:cxnSp>
+              <p:nvCxnSpPr>
+                <p:cNvPr id="21" name="Straight Arrow Connector 20"/>
+                <p:cNvCxnSpPr/>
+                <p:nvPr/>
+              </p:nvCxnSpPr>
+              <p:spPr>
+                <a:xfrm flipV="1">
+                  <a:off x="2611166" y="2155587"/>
+                  <a:ext cx="532734" cy="1482949"/>
+                </a:xfrm>
+                <a:prstGeom prst="straightConnector1">
+                  <a:avLst/>
+                </a:prstGeom>
+                <a:ln w="12700">
+                  <a:solidFill>
+                    <a:schemeClr val="tx1"/>
+                  </a:solidFill>
+                  <a:tailEnd type="triangle"/>
+                </a:ln>
+              </p:spPr>
+              <p:style>
+                <a:lnRef idx="1">
+                  <a:schemeClr val="accent1"/>
+                </a:lnRef>
+                <a:fillRef idx="0">
+                  <a:schemeClr val="accent1"/>
+                </a:fillRef>
+                <a:effectRef idx="0">
+                  <a:schemeClr val="accent1"/>
+                </a:effectRef>
+                <a:fontRef idx="minor">
+                  <a:schemeClr val="tx1"/>
+                </a:fontRef>
+              </p:style>
+            </p:cxnSp>
+            <p:sp>
+              <p:nvSpPr>
+                <p:cNvPr id="25" name="TextBox 24"/>
+                <p:cNvSpPr txBox="1"/>
+                <p:nvPr/>
+              </p:nvSpPr>
+              <p:spPr>
+                <a:xfrm>
+                  <a:off x="3057536" y="3013910"/>
+                  <a:ext cx="1128835" cy="369332"/>
+                </a:xfrm>
+                <a:prstGeom prst="rect">
+                  <a:avLst/>
+                </a:prstGeom>
+                <a:noFill/>
+              </p:spPr>
+              <p:txBody>
+                <a:bodyPr wrap="none" rtlCol="0">
+                  <a:spAutoFit/>
+                </a:bodyPr>
+                <a:lstStyle/>
+                <a:p>
+                  <a:r>
+                    <a:rPr lang="en-US" dirty="0" smtClean="0"/>
+                    <a:t>direction</a:t>
+                  </a:r>
+                  <a:endParaRPr lang="en-US" dirty="0"/>
+                </a:p>
+              </p:txBody>
+            </p:sp>
+            <p:sp>
+              <p:nvSpPr>
+                <p:cNvPr id="26" name="Arc 25"/>
+                <p:cNvSpPr/>
+                <p:nvPr/>
+              </p:nvSpPr>
+              <p:spPr>
+                <a:xfrm>
+                  <a:off x="2438400" y="3198576"/>
+                  <a:ext cx="660805" cy="818453"/>
+                </a:xfrm>
+                <a:prstGeom prst="arc">
+                  <a:avLst/>
+                </a:prstGeom>
+                <a:ln w="38100">
+                  <a:solidFill>
+                    <a:schemeClr val="tx1"/>
+                  </a:solidFill>
+                </a:ln>
+              </p:spPr>
+              <p:style>
+                <a:lnRef idx="1">
+                  <a:schemeClr val="accent1"/>
+                </a:lnRef>
+                <a:fillRef idx="0">
+                  <a:schemeClr val="accent1"/>
+                </a:fillRef>
+                <a:effectRef idx="0">
+                  <a:schemeClr val="accent1"/>
+                </a:effectRef>
+                <a:fontRef idx="minor">
+                  <a:schemeClr val="tx1"/>
+                </a:fontRef>
+              </p:style>
+              <p:txBody>
+                <a:bodyPr rtlCol="0" anchor="ctr"/>
+                <a:lstStyle/>
+                <a:p>
+                  <a:pPr algn="ctr"/>
+                  <a:endParaRPr lang="en-US"/>
+                </a:p>
+              </p:txBody>
+            </p:sp>
+          </p:grpSp>
+        </p:grpSp>
+      </p:grpSp>
+      <p:grpSp>
+        <p:nvGrpSpPr>
+          <p:cNvPr id="61" name="Group 60"/>
+          <p:cNvGrpSpPr/>
+          <p:nvPr/>
+        </p:nvGrpSpPr>
+        <p:grpSpPr>
+          <a:xfrm>
+            <a:off x="4742981" y="1938331"/>
+            <a:ext cx="3983601" cy="4040247"/>
+            <a:chOff x="4931798" y="1933824"/>
+            <a:chExt cx="3983601" cy="4040247"/>
+          </a:xfrm>
+        </p:grpSpPr>
+        <p:cxnSp>
+          <p:nvCxnSpPr>
+            <p:cNvPr id="58" name="Straight Connector 57"/>
+            <p:cNvCxnSpPr/>
+            <p:nvPr/>
+          </p:nvCxnSpPr>
+          <p:spPr>
+            <a:xfrm>
+              <a:off x="6997243" y="4482838"/>
+              <a:ext cx="1566572" cy="13585"/>
+            </a:xfrm>
+            <a:prstGeom prst="line">
+              <a:avLst/>
+            </a:prstGeom>
+            <a:ln>
+              <a:solidFill>
+                <a:schemeClr val="tx1"/>
+              </a:solidFill>
+              <a:prstDash val="lgDash"/>
+            </a:ln>
+          </p:spPr>
+          <p:style>
+            <a:lnRef idx="1">
+              <a:schemeClr val="accent1"/>
+            </a:lnRef>
+            <a:fillRef idx="0">
+              <a:schemeClr val="accent1"/>
+            </a:fillRef>
+            <a:effectRef idx="0">
+              <a:schemeClr val="accent1"/>
+            </a:effectRef>
+            <a:fontRef idx="minor">
+              <a:schemeClr val="tx1"/>
+            </a:fontRef>
+          </p:style>
+        </p:cxnSp>
+        <p:cxnSp>
+          <p:nvCxnSpPr>
+            <p:cNvPr id="33" name="Straight Arrow Connector 32"/>
+            <p:cNvCxnSpPr/>
+            <p:nvPr/>
+          </p:nvCxnSpPr>
+          <p:spPr>
+            <a:xfrm flipV="1">
+              <a:off x="5864721" y="2177586"/>
+              <a:ext cx="0" cy="2549264"/>
+            </a:xfrm>
+            <a:prstGeom prst="straightConnector1">
+              <a:avLst/>
+            </a:prstGeom>
+            <a:ln w="38100">
+              <a:solidFill>
+                <a:schemeClr val="tx1"/>
+              </a:solidFill>
+              <a:tailEnd type="triangle"/>
+            </a:ln>
+          </p:spPr>
+          <p:style>
+            <a:lnRef idx="1">
+              <a:schemeClr val="accent1"/>
+            </a:lnRef>
+            <a:fillRef idx="0">
+              <a:schemeClr val="accent1"/>
+            </a:fillRef>
+            <a:effectRef idx="0">
+              <a:schemeClr val="accent1"/>
+            </a:effectRef>
+            <a:fontRef idx="minor">
+              <a:schemeClr val="tx1"/>
+            </a:fontRef>
+          </p:style>
+        </p:cxnSp>
+        <p:cxnSp>
+          <p:nvCxnSpPr>
+            <p:cNvPr id="35" name="Straight Arrow Connector 34"/>
+            <p:cNvCxnSpPr/>
+            <p:nvPr/>
+          </p:nvCxnSpPr>
+          <p:spPr>
+            <a:xfrm>
+              <a:off x="5863693" y="4726237"/>
+              <a:ext cx="2651657" cy="613"/>
+            </a:xfrm>
+            <a:prstGeom prst="straightConnector1">
+              <a:avLst/>
+            </a:prstGeom>
+            <a:ln w="38100">
+              <a:solidFill>
+                <a:schemeClr val="tx1"/>
+              </a:solidFill>
+              <a:tailEnd type="triangle"/>
+            </a:ln>
+          </p:spPr>
+          <p:style>
+            <a:lnRef idx="1">
+              <a:schemeClr val="accent1"/>
+            </a:lnRef>
+            <a:fillRef idx="0">
+              <a:schemeClr val="accent1"/>
+            </a:fillRef>
+            <a:effectRef idx="0">
+              <a:schemeClr val="accent1"/>
+            </a:effectRef>
+            <a:fontRef idx="minor">
+              <a:schemeClr val="tx1"/>
+            </a:fontRef>
+          </p:style>
+        </p:cxnSp>
+        <p:cxnSp>
+          <p:nvCxnSpPr>
+            <p:cNvPr id="44" name="Straight Connector 43"/>
+            <p:cNvCxnSpPr/>
+            <p:nvPr/>
+          </p:nvCxnSpPr>
+          <p:spPr>
+            <a:xfrm flipH="1">
+              <a:off x="6972340" y="4475410"/>
+              <a:ext cx="5875" cy="677596"/>
+            </a:xfrm>
+            <a:prstGeom prst="line">
+              <a:avLst/>
+            </a:prstGeom>
+            <a:ln>
+              <a:solidFill>
+                <a:schemeClr val="tx1"/>
+              </a:solidFill>
+              <a:prstDash val="lgDash"/>
+            </a:ln>
+          </p:spPr>
+          <p:style>
+            <a:lnRef idx="1">
+              <a:schemeClr val="accent1"/>
+            </a:lnRef>
+            <a:fillRef idx="0">
+              <a:schemeClr val="accent1"/>
+            </a:fillRef>
+            <a:effectRef idx="0">
+              <a:schemeClr val="accent1"/>
+            </a:effectRef>
+            <a:fontRef idx="minor">
+              <a:schemeClr val="tx1"/>
+            </a:fontRef>
+          </p:style>
+        </p:cxnSp>
+        <p:sp>
+          <p:nvSpPr>
+            <p:cNvPr id="39" name="TextBox 38"/>
+            <p:cNvSpPr txBox="1"/>
+            <p:nvPr/>
+          </p:nvSpPr>
+          <p:spPr>
+            <a:xfrm>
+              <a:off x="4931798" y="5604739"/>
+              <a:ext cx="349143" cy="369332"/>
+            </a:xfrm>
+            <a:prstGeom prst="rect">
+              <a:avLst/>
+            </a:prstGeom>
+            <a:noFill/>
+          </p:spPr>
+          <p:txBody>
+            <a:bodyPr wrap="square" rtlCol="0">
+              <a:spAutoFit/>
+            </a:bodyPr>
+            <a:lstStyle/>
+            <a:p>
+              <a:r>
+                <a:rPr lang="en-US" dirty="0" smtClean="0"/>
+                <a:t>x</a:t>
+              </a:r>
+              <a:endParaRPr lang="en-US" dirty="0"/>
+            </a:p>
+          </p:txBody>
+        </p:sp>
+        <p:sp>
+          <p:nvSpPr>
+            <p:cNvPr id="42" name="TextBox 41"/>
+            <p:cNvSpPr txBox="1"/>
+            <p:nvPr/>
+          </p:nvSpPr>
+          <p:spPr>
+            <a:xfrm>
+              <a:off x="7780528" y="3832011"/>
+              <a:ext cx="1134871" cy="369332"/>
+            </a:xfrm>
+            <a:prstGeom prst="rect">
+              <a:avLst/>
+            </a:prstGeom>
+            <a:noFill/>
+          </p:spPr>
+          <p:txBody>
+            <a:bodyPr wrap="square" rtlCol="0">
+              <a:spAutoFit/>
+            </a:bodyPr>
+            <a:lstStyle/>
+            <a:p>
+              <a:r>
+                <a:rPr lang="en-US" dirty="0" smtClean="0"/>
+                <a:t>slope</a:t>
+              </a:r>
+              <a:endParaRPr lang="en-US" dirty="0"/>
+            </a:p>
+          </p:txBody>
+        </p:sp>
+        <p:sp>
+          <p:nvSpPr>
+            <p:cNvPr id="43" name="Arc 42"/>
+            <p:cNvSpPr/>
+            <p:nvPr/>
+          </p:nvSpPr>
+          <p:spPr>
+            <a:xfrm rot="2770692">
+              <a:off x="7689972" y="4218404"/>
+              <a:ext cx="411743" cy="509973"/>
+            </a:xfrm>
+            <a:prstGeom prst="arc">
+              <a:avLst>
+                <a:gd name="adj1" fmla="val 16200000"/>
+                <a:gd name="adj2" fmla="val 18912089"/>
+              </a:avLst>
+            </a:prstGeom>
+            <a:ln w="38100">
+              <a:solidFill>
+                <a:schemeClr val="tx1"/>
+              </a:solidFill>
+            </a:ln>
+          </p:spPr>
+          <p:style>
+            <a:lnRef idx="1">
+              <a:schemeClr val="accent1"/>
+            </a:lnRef>
+            <a:fillRef idx="0">
+              <a:schemeClr val="accent1"/>
+            </a:fillRef>
+            <a:effectRef idx="0">
+              <a:schemeClr val="accent1"/>
+            </a:effectRef>
+            <a:fontRef idx="minor">
+              <a:schemeClr val="tx1"/>
+            </a:fontRef>
+          </p:style>
+          <p:txBody>
+            <a:bodyPr rtlCol="0" anchor="ctr"/>
+            <a:lstStyle/>
+            <a:p>
+              <a:pPr algn="ctr"/>
+              <a:endParaRPr lang="en-US"/>
+            </a:p>
+          </p:txBody>
+        </p:sp>
+        <p:cxnSp>
+          <p:nvCxnSpPr>
+            <p:cNvPr id="46" name="Straight Arrow Connector 45"/>
+            <p:cNvCxnSpPr/>
+            <p:nvPr/>
+          </p:nvCxnSpPr>
+          <p:spPr>
+            <a:xfrm flipH="1">
+              <a:off x="5107398" y="4726238"/>
+              <a:ext cx="756295" cy="988762"/>
+            </a:xfrm>
+            <a:prstGeom prst="straightConnector1">
+              <a:avLst/>
+            </a:prstGeom>
+            <a:ln w="38100">
+              <a:solidFill>
+                <a:schemeClr val="tx1"/>
+              </a:solidFill>
+              <a:tailEnd type="triangle"/>
+            </a:ln>
+          </p:spPr>
+          <p:style>
+            <a:lnRef idx="1">
+              <a:schemeClr val="accent1"/>
+            </a:lnRef>
+            <a:fillRef idx="0">
+              <a:schemeClr val="accent1"/>
+            </a:fillRef>
+            <a:effectRef idx="0">
+              <a:schemeClr val="accent1"/>
+            </a:effectRef>
+            <a:fontRef idx="minor">
+              <a:schemeClr val="tx1"/>
+            </a:fontRef>
+          </p:style>
+        </p:cxnSp>
+        <p:sp>
+          <p:nvSpPr>
+            <p:cNvPr id="49" name="Parallelogram 48"/>
+            <p:cNvSpPr/>
+            <p:nvPr/>
+          </p:nvSpPr>
+          <p:spPr>
+            <a:xfrm rot="20993446">
+              <a:off x="6108723" y="4328033"/>
+              <a:ext cx="1748984" cy="323196"/>
+            </a:xfrm>
+            <a:prstGeom prst="parallelogram">
+              <a:avLst>
+                <a:gd name="adj" fmla="val 102616"/>
+              </a:avLst>
+            </a:prstGeom>
+            <a:solidFill>
+              <a:schemeClr val="tx1">
+                <a:lumMod val="50000"/>
+              </a:schemeClr>
+            </a:solidFill>
+          </p:spPr>
+          <p:style>
+            <a:lnRef idx="2">
+              <a:schemeClr val="accent1">
+                <a:shade val="50000"/>
+              </a:schemeClr>
+            </a:lnRef>
+            <a:fillRef idx="1">
+              <a:schemeClr val="accent1"/>
+            </a:fillRef>
+            <a:effectRef idx="0">
+              <a:schemeClr val="accent1"/>
+            </a:effectRef>
+            <a:fontRef idx="minor">
+              <a:schemeClr val="lt1"/>
+            </a:fontRef>
+          </p:style>
+          <p:txBody>
+            <a:bodyPr rtlCol="0" anchor="ctr"/>
+            <a:lstStyle/>
+            <a:p>
+              <a:pPr algn="ctr"/>
+              <a:endParaRPr lang="en-US"/>
+            </a:p>
+          </p:txBody>
+        </p:sp>
+        <p:cxnSp>
+          <p:nvCxnSpPr>
+            <p:cNvPr id="45" name="Straight Connector 44"/>
+            <p:cNvCxnSpPr/>
+            <p:nvPr/>
+          </p:nvCxnSpPr>
+          <p:spPr>
+            <a:xfrm>
+              <a:off x="5417347" y="4459807"/>
+              <a:ext cx="1566572" cy="13585"/>
+            </a:xfrm>
+            <a:prstGeom prst="line">
+              <a:avLst/>
+            </a:prstGeom>
+            <a:ln>
+              <a:solidFill>
+                <a:schemeClr val="tx1"/>
+              </a:solidFill>
+              <a:prstDash val="lgDash"/>
+            </a:ln>
+          </p:spPr>
+          <p:style>
+            <a:lnRef idx="1">
+              <a:schemeClr val="accent1"/>
+            </a:lnRef>
+            <a:fillRef idx="0">
+              <a:schemeClr val="accent1"/>
+            </a:fillRef>
+            <a:effectRef idx="0">
+              <a:schemeClr val="accent1"/>
+            </a:effectRef>
+            <a:fontRef idx="minor">
+              <a:schemeClr val="tx1"/>
+            </a:fontRef>
+          </p:style>
+        </p:cxnSp>
+        <p:cxnSp>
+          <p:nvCxnSpPr>
+            <p:cNvPr id="52" name="Straight Connector 51"/>
+            <p:cNvCxnSpPr/>
+            <p:nvPr/>
+          </p:nvCxnSpPr>
+          <p:spPr>
+            <a:xfrm flipH="1">
+              <a:off x="6972340" y="4048139"/>
+              <a:ext cx="335673" cy="431620"/>
+            </a:xfrm>
+            <a:prstGeom prst="line">
+              <a:avLst/>
+            </a:prstGeom>
+            <a:ln>
+              <a:solidFill>
+                <a:schemeClr val="tx1"/>
+              </a:solidFill>
+              <a:prstDash val="lgDash"/>
+            </a:ln>
+          </p:spPr>
+          <p:style>
+            <a:lnRef idx="1">
+              <a:schemeClr val="accent1"/>
+            </a:lnRef>
+            <a:fillRef idx="0">
+              <a:schemeClr val="accent1"/>
+            </a:fillRef>
+            <a:effectRef idx="0">
+              <a:schemeClr val="accent1"/>
+            </a:effectRef>
+            <a:fontRef idx="minor">
+              <a:schemeClr val="tx1"/>
+            </a:fontRef>
+          </p:style>
+        </p:cxnSp>
+        <p:cxnSp>
+          <p:nvCxnSpPr>
+            <p:cNvPr id="41" name="Straight Arrow Connector 40"/>
+            <p:cNvCxnSpPr/>
+            <p:nvPr/>
+          </p:nvCxnSpPr>
+          <p:spPr>
+            <a:xfrm flipV="1">
+              <a:off x="6983919" y="4227487"/>
+              <a:ext cx="1412571" cy="252272"/>
+            </a:xfrm>
+            <a:prstGeom prst="straightConnector1">
+              <a:avLst/>
+            </a:prstGeom>
+            <a:ln w="12700">
+              <a:solidFill>
+                <a:schemeClr val="tx1"/>
+              </a:solidFill>
+              <a:tailEnd type="triangle"/>
+            </a:ln>
+          </p:spPr>
+          <p:style>
+            <a:lnRef idx="1">
+              <a:schemeClr val="accent1"/>
+            </a:lnRef>
+            <a:fillRef idx="0">
+              <a:schemeClr val="accent1"/>
+            </a:fillRef>
+            <a:effectRef idx="0">
+              <a:schemeClr val="accent1"/>
+            </a:effectRef>
+            <a:fontRef idx="minor">
+              <a:schemeClr val="tx1"/>
+            </a:fontRef>
+          </p:style>
+        </p:cxnSp>
+        <p:sp>
+          <p:nvSpPr>
+            <p:cNvPr id="59" name="TextBox 58"/>
+            <p:cNvSpPr txBox="1"/>
+            <p:nvPr/>
+          </p:nvSpPr>
+          <p:spPr>
+            <a:xfrm>
+              <a:off x="8427516" y="4613818"/>
+              <a:ext cx="349143" cy="369332"/>
+            </a:xfrm>
+            <a:prstGeom prst="rect">
+              <a:avLst/>
+            </a:prstGeom>
+            <a:noFill/>
+          </p:spPr>
+          <p:txBody>
+            <a:bodyPr wrap="square" rtlCol="0">
+              <a:spAutoFit/>
+            </a:bodyPr>
+            <a:lstStyle/>
+            <a:p>
+              <a:r>
+                <a:rPr lang="en-US" dirty="0"/>
+                <a:t>y</a:t>
+              </a:r>
+              <a:endParaRPr lang="en-US" dirty="0"/>
+            </a:p>
+          </p:txBody>
+        </p:sp>
+        <p:sp>
+          <p:nvSpPr>
+            <p:cNvPr id="60" name="TextBox 59"/>
+            <p:cNvSpPr txBox="1"/>
+            <p:nvPr/>
+          </p:nvSpPr>
+          <p:spPr>
+            <a:xfrm>
+              <a:off x="5958118" y="1933824"/>
+              <a:ext cx="349143" cy="369332"/>
+            </a:xfrm>
+            <a:prstGeom prst="rect">
+              <a:avLst/>
+            </a:prstGeom>
+            <a:noFill/>
+          </p:spPr>
+          <p:txBody>
+            <a:bodyPr wrap="square" rtlCol="0">
+              <a:spAutoFit/>
+            </a:bodyPr>
+            <a:lstStyle/>
+            <a:p>
+              <a:r>
+                <a:rPr lang="en-US" dirty="0"/>
+                <a:t>z</a:t>
+              </a:r>
+              <a:endParaRPr lang="en-US" dirty="0"/>
+            </a:p>
+          </p:txBody>
+        </p:sp>
+      </p:grpSp>
+    </p:spTree>
+    <p:extLst>
+      <p:ext uri="{BB962C8B-B14F-4D97-AF65-F5344CB8AC3E}">
+        <p14:creationId xmlns:p14="http://schemas.microsoft.com/office/powerpoint/2010/main" val="1781974776"/>
+      </p:ext>
+    </p:extLst>
+  </p:cSld>
+  <p:clrMapOvr>
+    <a:masterClrMapping/>
+  </p:clrMapOvr>
+  <mc:AlternateContent xmlns:mc="http://schemas.openxmlformats.org/markup-compatibility/2006" xmlns:p14="http://schemas.microsoft.com/office/powerpoint/2010/main">
+    <mc:Choice Requires="p14">
+      <p:transition spd="med" p14:dur="700">
+        <p:fade/>
+      </p:transition>
+    </mc:Choice>
+    <mc:Fallback xmlns="">
+      <p:transition spd="med">
+        <p:fade/>
+      </p:transition>
+    </mc:Fallback>
+  </mc:AlternateContent>
+</p:sld>
+</file>
+
+<file path=ppt/slides/slide5.xml><?xml version="1.0" encoding="utf-8"?>
+<p:sld xmlns:a="http://schemas.openxmlformats.org/drawingml/2006/main" xmlns:r="http://schemas.openxmlformats.org/officeDocument/2006/relationships" xmlns:p="http://schemas.openxmlformats.org/presentationml/2006/main">
+  <p:cSld>
+    <p:spTree>
+      <p:nvGrpSpPr>
+        <p:cNvPr id="1" name=""/>
+        <p:cNvGrpSpPr/>
+        <p:nvPr/>
+      </p:nvGrpSpPr>
+      <p:grpSpPr>
+        <a:xfrm>
+          <a:off x="0" y="0"/>
+          <a:ext cx="0" cy="0"/>
+          <a:chOff x="0" y="0"/>
+          <a:chExt cx="0" cy="0"/>
+        </a:xfrm>
+      </p:grpSpPr>
+      <p:sp>
+        <p:nvSpPr>
+          <p:cNvPr id="2" name="Title 1"/>
+          <p:cNvSpPr>
+            <a:spLocks noGrp="1"/>
+          </p:cNvSpPr>
+          <p:nvPr>
+            <p:ph type="title"/>
+          </p:nvPr>
+        </p:nvSpPr>
         <p:spPr>
           <a:xfrm>
             <a:off x="685799" y="315757"/>
@@ -14375,7 +15499,7 @@
             <a:pPr algn="r"/>
             <a:r>
               <a:rPr lang="en-US" sz="3200" dirty="0" smtClean="0"/>
-              <a:t>Road Network Representation – Part/Tile based</a:t>
+              <a:t>Road Network Representation – Part/Tile based made flexible</a:t>
             </a:r>
             <a:endParaRPr lang="en-US" sz="3200" dirty="0"/>
           </a:p>
@@ -16049,7 +17173,7 @@
         <p:spPr>
           <a:xfrm>
             <a:off x="600075" y="5657131"/>
-            <a:ext cx="7972424" cy="646331"/>
+            <a:ext cx="8162926" cy="923330"/>
           </a:xfrm>
           <a:prstGeom prst="rect">
             <a:avLst/>
@@ -16068,8 +17192,31 @@
                   <a:srgbClr val="9CFC9C"/>
                 </a:solidFill>
               </a:rPr>
-              <a:t>Advantage: using simple hierarchical structure to represent sophisticated road network</a:t>
-            </a:r>
+              <a:t>Advantage: using simple hierarchical structure to represent sophisticated road </a:t>
+            </a:r>
+            <a:r>
+              <a:rPr lang="en-US" dirty="0" smtClean="0">
+                <a:solidFill>
+                  <a:srgbClr val="9CFC9C"/>
+                </a:solidFill>
+              </a:rPr>
+              <a:t>network. </a:t>
+            </a:r>
+          </a:p>
+          <a:p>
+            <a:r>
+              <a:rPr lang="en-US" dirty="0" smtClean="0">
+                <a:solidFill>
+                  <a:srgbClr val="9CFC9C"/>
+                </a:solidFill>
+              </a:rPr>
+              <a:t>Almost any shape can be represented if the tile length is chosen correctly.</a:t>
+            </a:r>
+            <a:endParaRPr lang="en-US" dirty="0">
+              <a:solidFill>
+                <a:srgbClr val="9CFC9C"/>
+              </a:solidFill>
+            </a:endParaRPr>
           </a:p>
         </p:txBody>
       </p:sp>
@@ -16077,304 +17224,6 @@
     <p:extLst>
       <p:ext uri="{BB962C8B-B14F-4D97-AF65-F5344CB8AC3E}">
         <p14:creationId xmlns:p14="http://schemas.microsoft.com/office/powerpoint/2010/main" val="1862082843"/>
-      </p:ext>
-    </p:extLst>
-  </p:cSld>
-  <p:clrMapOvr>
-    <a:masterClrMapping/>
-  </p:clrMapOvr>
-  <mc:AlternateContent xmlns:mc="http://schemas.openxmlformats.org/markup-compatibility/2006" xmlns:p14="http://schemas.microsoft.com/office/powerpoint/2010/main">
-    <mc:Choice Requires="p14">
-      <p:transition spd="med" p14:dur="700">
-        <p:fade/>
-      </p:transition>
-    </mc:Choice>
-    <mc:Fallback xmlns="">
-      <p:transition spd="med">
-        <p:fade/>
-      </p:transition>
-    </mc:Fallback>
-  </mc:AlternateContent>
-  <p:timing>
-    <p:tnLst>
-      <p:par>
-        <p:cTn id="1" dur="indefinite" restart="never" nodeType="tmRoot"/>
-      </p:par>
-    </p:tnLst>
-  </p:timing>
-</p:sld>
-</file>
-
-<file path=ppt/slides/slide5.xml><?xml version="1.0" encoding="utf-8"?>
-<p:sld xmlns:a="http://schemas.openxmlformats.org/drawingml/2006/main" xmlns:r="http://schemas.openxmlformats.org/officeDocument/2006/relationships" xmlns:p="http://schemas.openxmlformats.org/presentationml/2006/main">
-  <p:cSld>
-    <p:spTree>
-      <p:nvGrpSpPr>
-        <p:cNvPr id="1" name=""/>
-        <p:cNvGrpSpPr/>
-        <p:nvPr/>
-      </p:nvGrpSpPr>
-      <p:grpSpPr>
-        <a:xfrm>
-          <a:off x="0" y="0"/>
-          <a:ext cx="0" cy="0"/>
-          <a:chOff x="0" y="0"/>
-          <a:chExt cx="0" cy="0"/>
-        </a:xfrm>
-      </p:grpSpPr>
-      <p:sp>
-        <p:nvSpPr>
-          <p:cNvPr id="2" name="Title 1"/>
-          <p:cNvSpPr>
-            <a:spLocks noGrp="1"/>
-          </p:cNvSpPr>
-          <p:nvPr>
-            <p:ph type="title"/>
-          </p:nvPr>
-        </p:nvSpPr>
-        <p:spPr>
-          <a:xfrm>
-            <a:off x="628650" y="0"/>
-            <a:ext cx="7886700" cy="1339850"/>
-          </a:xfrm>
-        </p:spPr>
-        <p:txBody>
-          <a:bodyPr>
-            <a:normAutofit/>
-          </a:bodyPr>
-          <a:lstStyle/>
-          <a:p>
-            <a:pPr algn="r"/>
-            <a:r>
-              <a:rPr lang="en-US" sz="3200" dirty="0" smtClean="0"/>
-              <a:t>Road Network Representation </a:t>
-            </a:r>
-            <a:br>
-              <a:rPr lang="en-US" sz="3200" dirty="0" smtClean="0"/>
-            </a:br>
-            <a:r>
-              <a:rPr lang="en-US" sz="3200" dirty="0" smtClean="0"/>
-              <a:t>- Hierarchy Component</a:t>
-            </a:r>
-            <a:endParaRPr lang="en-US" sz="3200" dirty="0"/>
-          </a:p>
-        </p:txBody>
-      </p:sp>
-      <p:graphicFrame>
-        <p:nvGraphicFramePr>
-          <p:cNvPr id="7" name="Diagram 6"/>
-          <p:cNvGraphicFramePr/>
-          <p:nvPr>
-            <p:extLst>
-              <p:ext uri="{D42A27DB-BD31-4B8C-83A1-F6EECF244321}">
-                <p14:modId xmlns:p14="http://schemas.microsoft.com/office/powerpoint/2010/main" val="501775993"/>
-              </p:ext>
-            </p:extLst>
-          </p:nvPr>
-        </p:nvGraphicFramePr>
-        <p:xfrm>
-          <a:off x="-490538" y="1339850"/>
-          <a:ext cx="6096000" cy="4064000"/>
-        </p:xfrm>
-        <a:graphic>
-          <a:graphicData uri="http://schemas.openxmlformats.org/drawingml/2006/diagram">
-            <dgm:relIds xmlns:dgm="http://schemas.openxmlformats.org/drawingml/2006/diagram" xmlns:r="http://schemas.openxmlformats.org/officeDocument/2006/relationships" r:dm="rId2" r:lo="rId3" r:qs="rId4" r:cs="rId5"/>
-          </a:graphicData>
-        </a:graphic>
-      </p:graphicFrame>
-      <p:sp>
-        <p:nvSpPr>
-          <p:cNvPr id="8" name="TextBox 7"/>
-          <p:cNvSpPr txBox="1"/>
-          <p:nvPr/>
-        </p:nvSpPr>
-        <p:spPr>
-          <a:xfrm>
-            <a:off x="5181600" y="1600200"/>
-            <a:ext cx="3081339" cy="646331"/>
-          </a:xfrm>
-          <a:prstGeom prst="rect">
-            <a:avLst/>
-          </a:prstGeom>
-          <a:noFill/>
-        </p:spPr>
-        <p:txBody>
-          <a:bodyPr wrap="square" rtlCol="0">
-            <a:spAutoFit/>
-          </a:bodyPr>
-          <a:lstStyle/>
-          <a:p>
-            <a:r>
-              <a:rPr lang="en-US" dirty="0" smtClean="0"/>
-              <a:t>The road hierarchy using part </a:t>
-            </a:r>
-            <a:r>
-              <a:rPr lang="en-US" smtClean="0"/>
-              <a:t>based representation</a:t>
-            </a:r>
-          </a:p>
-        </p:txBody>
-      </p:sp>
-      <p:sp>
-        <p:nvSpPr>
-          <p:cNvPr id="9" name="TextBox 8"/>
-          <p:cNvSpPr txBox="1"/>
-          <p:nvPr/>
-        </p:nvSpPr>
-        <p:spPr>
-          <a:xfrm>
-            <a:off x="5181599" y="2535874"/>
-            <a:ext cx="3081339" cy="646331"/>
-          </a:xfrm>
-          <a:prstGeom prst="rect">
-            <a:avLst/>
-          </a:prstGeom>
-          <a:noFill/>
-        </p:spPr>
-        <p:txBody>
-          <a:bodyPr wrap="square" rtlCol="0">
-            <a:spAutoFit/>
-          </a:bodyPr>
-          <a:lstStyle/>
-          <a:p>
-            <a:r>
-              <a:rPr lang="en-US" smtClean="0"/>
-              <a:t>The special gate that connect roads</a:t>
-            </a:r>
-          </a:p>
-        </p:txBody>
-      </p:sp>
-      <p:sp>
-        <p:nvSpPr>
-          <p:cNvPr id="10" name="TextBox 9"/>
-          <p:cNvSpPr txBox="1"/>
-          <p:nvPr/>
-        </p:nvSpPr>
-        <p:spPr>
-          <a:xfrm>
-            <a:off x="4743450" y="3371850"/>
-            <a:ext cx="4419601" cy="923330"/>
-          </a:xfrm>
-          <a:prstGeom prst="rect">
-            <a:avLst/>
-          </a:prstGeom>
-          <a:noFill/>
-        </p:spPr>
-        <p:txBody>
-          <a:bodyPr wrap="square" rtlCol="0">
-            <a:spAutoFit/>
-          </a:bodyPr>
-          <a:lstStyle/>
-          <a:p>
-            <a:r>
-              <a:rPr lang="en-US" dirty="0" smtClean="0"/>
-              <a:t>Record which intersection is connected by the end of a road, and which roads can go from an intersection</a:t>
-            </a:r>
-          </a:p>
-        </p:txBody>
-      </p:sp>
-      <p:sp>
-        <p:nvSpPr>
-          <p:cNvPr id="11" name="TextBox 10"/>
-          <p:cNvSpPr txBox="1"/>
-          <p:nvPr/>
-        </p:nvSpPr>
-        <p:spPr>
-          <a:xfrm>
-            <a:off x="4736306" y="4352829"/>
-            <a:ext cx="4395788" cy="923330"/>
-          </a:xfrm>
-          <a:prstGeom prst="rect">
-            <a:avLst/>
-          </a:prstGeom>
-          <a:noFill/>
-        </p:spPr>
-        <p:txBody>
-          <a:bodyPr wrap="square" rtlCol="0">
-            <a:spAutoFit/>
-          </a:bodyPr>
-          <a:lstStyle/>
-          <a:p>
-            <a:r>
-              <a:rPr lang="en-US" dirty="0" smtClean="0"/>
-              <a:t>Record which intersection connect the beginning of a road, and </a:t>
-            </a:r>
-            <a:r>
-              <a:rPr lang="en-US" smtClean="0"/>
-              <a:t>which roads can enter an intersection</a:t>
-            </a:r>
-            <a:endParaRPr lang="en-US"/>
-          </a:p>
-        </p:txBody>
-      </p:sp>
-      <p:sp>
-        <p:nvSpPr>
-          <p:cNvPr id="12" name="TextBox 11"/>
-          <p:cNvSpPr txBox="1"/>
-          <p:nvPr/>
-        </p:nvSpPr>
-        <p:spPr>
-          <a:xfrm>
-            <a:off x="367964" y="5708431"/>
-            <a:ext cx="8408071" cy="646331"/>
-          </a:xfrm>
-          <a:prstGeom prst="rect">
-            <a:avLst/>
-          </a:prstGeom>
-          <a:noFill/>
-        </p:spPr>
-        <p:txBody>
-          <a:bodyPr wrap="none" rtlCol="0">
-            <a:spAutoFit/>
-          </a:bodyPr>
-          <a:lstStyle/>
-          <a:p>
-            <a:r>
-              <a:rPr lang="en-US" dirty="0" smtClean="0">
-                <a:solidFill>
-                  <a:srgbClr val="9CFC9C"/>
-                </a:solidFill>
-              </a:rPr>
-              <a:t>Roads and Intersections are only geo-structures.</a:t>
-            </a:r>
-          </a:p>
-          <a:p>
-            <a:r>
-              <a:rPr lang="en-US" dirty="0" smtClean="0">
-                <a:solidFill>
-                  <a:srgbClr val="9CFC9C"/>
-                </a:solidFill>
-              </a:rPr>
-              <a:t>Map and </a:t>
-            </a:r>
-            <a:r>
-              <a:rPr lang="en-US" dirty="0" err="1" smtClean="0">
-                <a:solidFill>
-                  <a:srgbClr val="9CFC9C"/>
-                </a:solidFill>
-              </a:rPr>
-              <a:t>ReverseMap</a:t>
-            </a:r>
-            <a:r>
-              <a:rPr lang="en-US" dirty="0" smtClean="0">
-                <a:solidFill>
-                  <a:srgbClr val="9CFC9C"/>
-                </a:solidFill>
-              </a:rPr>
-              <a:t> provide connections and they are used for route search.</a:t>
-            </a:r>
-            <a:endParaRPr lang="en-US" dirty="0">
-              <a:solidFill>
-                <a:srgbClr val="9CFC9C"/>
-              </a:solidFill>
-            </a:endParaRPr>
-          </a:p>
-        </p:txBody>
-      </p:sp>
-    </p:spTree>
-    <p:extLst>
-      <p:ext uri="{BB962C8B-B14F-4D97-AF65-F5344CB8AC3E}">
-        <p14:creationId xmlns:p14="http://schemas.microsoft.com/office/powerpoint/2010/main" val="982288473"/>
       </p:ext>
     </p:extLst>
   </p:cSld>
@@ -16432,222 +17281,247 @@
         </p:nvSpPr>
         <p:spPr>
           <a:xfrm>
-            <a:off x="628650" y="365126"/>
-            <a:ext cx="7886700" cy="1082674"/>
+            <a:off x="628650" y="0"/>
+            <a:ext cx="7886700" cy="1339850"/>
           </a:xfrm>
         </p:spPr>
         <p:txBody>
           <a:bodyPr>
-            <a:noAutofit/>
+            <a:normAutofit/>
           </a:bodyPr>
           <a:lstStyle/>
           <a:p>
             <a:pPr algn="r"/>
             <a:r>
-              <a:rPr lang="en-US" sz="3200" smtClean="0"/>
+              <a:rPr lang="en-US" sz="3200" dirty="0" smtClean="0"/>
               <a:t>Road Network Representation </a:t>
             </a:r>
             <a:br>
-              <a:rPr lang="en-US" sz="3200" smtClean="0"/>
+              <a:rPr lang="en-US" sz="3200" dirty="0" smtClean="0"/>
             </a:br>
             <a:r>
-              <a:rPr lang="en-US" sz="3200" smtClean="0"/>
-              <a:t>- </a:t>
-            </a:r>
-            <a:r>
               <a:rPr lang="en-US" sz="3200" dirty="0" smtClean="0"/>
-              <a:t>Features</a:t>
+              <a:t>- Hierarchy Component</a:t>
             </a:r>
             <a:endParaRPr lang="en-US" sz="3200" dirty="0"/>
+          </a:p>
+        </p:txBody>
+      </p:sp>
+      <p:graphicFrame>
+        <p:nvGraphicFramePr>
+          <p:cNvPr id="7" name="Diagram 6"/>
+          <p:cNvGraphicFramePr/>
+          <p:nvPr>
+            <p:extLst>
+              <p:ext uri="{D42A27DB-BD31-4B8C-83A1-F6EECF244321}">
+                <p14:modId xmlns:p14="http://schemas.microsoft.com/office/powerpoint/2010/main" val="501775993"/>
+              </p:ext>
+            </p:extLst>
+          </p:nvPr>
+        </p:nvGraphicFramePr>
+        <p:xfrm>
+          <a:off x="-490538" y="1339850"/>
+          <a:ext cx="6096000" cy="4064000"/>
+        </p:xfrm>
+        <a:graphic>
+          <a:graphicData uri="http://schemas.openxmlformats.org/drawingml/2006/diagram">
+            <dgm:relIds xmlns:dgm="http://schemas.openxmlformats.org/drawingml/2006/diagram" xmlns:r="http://schemas.openxmlformats.org/officeDocument/2006/relationships" r:dm="rId2" r:lo="rId3" r:qs="rId4" r:cs="rId5"/>
+          </a:graphicData>
+        </a:graphic>
+      </p:graphicFrame>
+      <p:sp>
+        <p:nvSpPr>
+          <p:cNvPr id="8" name="TextBox 7"/>
+          <p:cNvSpPr txBox="1"/>
+          <p:nvPr/>
+        </p:nvSpPr>
+        <p:spPr>
+          <a:xfrm>
+            <a:off x="5181600" y="1600200"/>
+            <a:ext cx="3081339" cy="646331"/>
+          </a:xfrm>
+          <a:prstGeom prst="rect">
+            <a:avLst/>
+          </a:prstGeom>
+          <a:noFill/>
+        </p:spPr>
+        <p:txBody>
+          <a:bodyPr wrap="square" rtlCol="0">
+            <a:spAutoFit/>
+          </a:bodyPr>
+          <a:lstStyle/>
+          <a:p>
+            <a:r>
+              <a:rPr lang="en-US" dirty="0" smtClean="0"/>
+              <a:t>The road hierarchy using part </a:t>
+            </a:r>
+            <a:r>
+              <a:rPr lang="en-US" smtClean="0"/>
+              <a:t>based representation</a:t>
+            </a:r>
           </a:p>
         </p:txBody>
       </p:sp>
       <p:sp>
         <p:nvSpPr>
-          <p:cNvPr id="5" name="Content Placeholder 4"/>
-          <p:cNvSpPr>
-            <a:spLocks noGrp="1"/>
-          </p:cNvSpPr>
-          <p:nvPr>
-            <p:ph idx="1"/>
-          </p:nvPr>
+          <p:cNvPr id="9" name="TextBox 8"/>
+          <p:cNvSpPr txBox="1"/>
+          <p:nvPr/>
         </p:nvSpPr>
-        <p:spPr/>
+        <p:spPr>
+          <a:xfrm>
+            <a:off x="5181599" y="2535874"/>
+            <a:ext cx="3081339" cy="646331"/>
+          </a:xfrm>
+          <a:prstGeom prst="rect">
+            <a:avLst/>
+          </a:prstGeom>
+          <a:noFill/>
+        </p:spPr>
         <p:txBody>
-          <a:bodyPr>
-            <a:normAutofit lnSpcReduction="10000"/>
+          <a:bodyPr wrap="square" rtlCol="0">
+            <a:spAutoFit/>
           </a:bodyPr>
           <a:lstStyle/>
           <a:p>
             <a:r>
-              <a:rPr lang="en-US" sz="2400" dirty="0" smtClean="0"/>
-              <a:t>All road network elements (including intersections, roads, lanes, and tiles) share same feature:</a:t>
-            </a:r>
-          </a:p>
-          <a:p>
-            <a:pPr lvl="1"/>
-            <a:r>
-              <a:rPr lang="en-US" sz="2250" i="1" dirty="0" smtClean="0"/>
-              <a:t>Geo-location</a:t>
-            </a:r>
-          </a:p>
-          <a:p>
-            <a:r>
-              <a:rPr lang="en-US" sz="2400" dirty="0" smtClean="0"/>
-              <a:t>Super class </a:t>
-            </a:r>
-            <a:r>
-              <a:rPr lang="en-US" sz="2400" dirty="0" err="1" smtClean="0"/>
-              <a:t>RNLocation</a:t>
-            </a:r>
-            <a:endParaRPr lang="en-US" sz="2400" dirty="0" smtClean="0"/>
-          </a:p>
-          <a:p>
-            <a:r>
-              <a:rPr lang="en-US" sz="2400" dirty="0" smtClean="0"/>
-              <a:t>Class </a:t>
-            </a:r>
-            <a:r>
-              <a:rPr lang="en-US" sz="2400" dirty="0" err="1" smtClean="0"/>
-              <a:t>famility</a:t>
-            </a:r>
-            <a:r>
-              <a:rPr lang="en-US" sz="2400" dirty="0" smtClean="0"/>
-              <a:t> tree:</a:t>
-            </a:r>
-          </a:p>
-          <a:p>
-            <a:pPr lvl="1"/>
-            <a:r>
-              <a:rPr lang="en-US" sz="2250" dirty="0" err="1" smtClean="0"/>
-              <a:t>RNLocation</a:t>
-            </a:r>
-            <a:r>
-              <a:rPr lang="en-US" sz="2250" dirty="0" smtClean="0"/>
-              <a:t>: (</a:t>
-            </a:r>
-            <a:r>
-              <a:rPr lang="en-US" sz="2250" dirty="0" err="1" smtClean="0"/>
-              <a:t>x,y,z</a:t>
-            </a:r>
-            <a:r>
-              <a:rPr lang="en-US" sz="2250" dirty="0" smtClean="0"/>
-              <a:t>)</a:t>
-            </a:r>
-          </a:p>
-          <a:p>
-            <a:pPr lvl="2"/>
-            <a:r>
-              <a:rPr lang="en-US" sz="2100" dirty="0" smtClean="0"/>
-              <a:t>-</a:t>
-            </a:r>
-            <a:r>
-              <a:rPr lang="en-US" sz="2100" dirty="0" err="1" smtClean="0"/>
-              <a:t>RNGate</a:t>
-            </a:r>
-            <a:r>
-              <a:rPr lang="en-US" sz="2100" dirty="0" smtClean="0"/>
-              <a:t> (entry, exit)</a:t>
-            </a:r>
-          </a:p>
-          <a:p>
-            <a:pPr lvl="2"/>
-            <a:r>
-              <a:rPr lang="en-US" sz="2100" dirty="0" smtClean="0"/>
-              <a:t>-</a:t>
-            </a:r>
-            <a:r>
-              <a:rPr lang="en-US" sz="2100" dirty="0" err="1" smtClean="0"/>
-              <a:t>RNElement</a:t>
-            </a:r>
-            <a:r>
-              <a:rPr lang="en-US" sz="2100" dirty="0" smtClean="0"/>
-              <a:t> (width, length)</a:t>
-            </a:r>
-          </a:p>
-          <a:p>
-            <a:pPr lvl="3"/>
-            <a:r>
-              <a:rPr lang="en-US" sz="1950" dirty="0" smtClean="0"/>
-              <a:t>--</a:t>
-            </a:r>
-            <a:r>
-              <a:rPr lang="en-US" sz="1950" dirty="0" err="1" smtClean="0"/>
-              <a:t>RNRoadTile</a:t>
-            </a:r>
-            <a:r>
-              <a:rPr lang="en-US" sz="1950" dirty="0" smtClean="0"/>
-              <a:t> (slope, direction)</a:t>
-            </a:r>
-          </a:p>
-          <a:p>
-            <a:pPr lvl="3"/>
-            <a:r>
-              <a:rPr lang="en-US" sz="1950" dirty="0" smtClean="0"/>
-              <a:t>--</a:t>
-            </a:r>
-            <a:r>
-              <a:rPr lang="en-US" sz="1950" dirty="0" err="1" smtClean="0"/>
-              <a:t>RNLane</a:t>
-            </a:r>
-            <a:r>
-              <a:rPr lang="en-US" sz="1950" dirty="0" smtClean="0"/>
-              <a:t>: consists Array&lt;</a:t>
-            </a:r>
-            <a:r>
-              <a:rPr lang="en-US" sz="1950" dirty="0" err="1" smtClean="0"/>
-              <a:t>RNRoadTile</a:t>
-            </a:r>
-            <a:r>
-              <a:rPr lang="en-US" sz="1950" dirty="0" smtClean="0"/>
-              <a:t>&gt;</a:t>
-            </a:r>
-          </a:p>
-          <a:p>
-            <a:pPr lvl="3"/>
-            <a:r>
-              <a:rPr lang="en-US" sz="1950" dirty="0" smtClean="0"/>
-              <a:t>--</a:t>
-            </a:r>
-            <a:r>
-              <a:rPr lang="en-US" sz="1950" dirty="0" err="1" smtClean="0"/>
-              <a:t>RNRoad</a:t>
-            </a:r>
-            <a:r>
-              <a:rPr lang="en-US" sz="1950" dirty="0" smtClean="0"/>
-              <a:t>: consists Array&lt;</a:t>
-            </a:r>
-            <a:r>
-              <a:rPr lang="en-US" sz="1950" dirty="0" err="1" smtClean="0"/>
-              <a:t>RNLane</a:t>
-            </a:r>
-            <a:r>
-              <a:rPr lang="en-US" sz="1950" dirty="0" smtClean="0"/>
-              <a:t>&gt;</a:t>
-            </a:r>
-          </a:p>
-          <a:p>
-            <a:pPr lvl="3"/>
-            <a:r>
-              <a:rPr lang="en-US" sz="1950" dirty="0" smtClean="0"/>
-              <a:t>--</a:t>
-            </a:r>
-            <a:r>
-              <a:rPr lang="en-US" sz="1950" dirty="0" err="1" smtClean="0"/>
-              <a:t>RNIntersection</a:t>
-            </a:r>
-            <a:r>
-              <a:rPr lang="en-US" sz="1950" dirty="0" smtClean="0"/>
-              <a:t> (entries, exits)</a:t>
-            </a:r>
-            <a:endParaRPr lang="en-US" sz="1950" dirty="0"/>
+              <a:rPr lang="en-US" smtClean="0"/>
+              <a:t>The special gate that connect roads</a:t>
+            </a:r>
+          </a:p>
+        </p:txBody>
+      </p:sp>
+      <p:sp>
+        <p:nvSpPr>
+          <p:cNvPr id="10" name="TextBox 9"/>
+          <p:cNvSpPr txBox="1"/>
+          <p:nvPr/>
+        </p:nvSpPr>
+        <p:spPr>
+          <a:xfrm>
+            <a:off x="4743450" y="3371850"/>
+            <a:ext cx="4419601" cy="923330"/>
+          </a:xfrm>
+          <a:prstGeom prst="rect">
+            <a:avLst/>
+          </a:prstGeom>
+          <a:noFill/>
+        </p:spPr>
+        <p:txBody>
+          <a:bodyPr wrap="square" rtlCol="0">
+            <a:spAutoFit/>
+          </a:bodyPr>
+          <a:lstStyle/>
+          <a:p>
+            <a:r>
+              <a:rPr lang="en-US" dirty="0" smtClean="0"/>
+              <a:t>Record which intersection is connected by the end of a road, and which roads can go from an intersection</a:t>
+            </a:r>
+          </a:p>
+        </p:txBody>
+      </p:sp>
+      <p:sp>
+        <p:nvSpPr>
+          <p:cNvPr id="11" name="TextBox 10"/>
+          <p:cNvSpPr txBox="1"/>
+          <p:nvPr/>
+        </p:nvSpPr>
+        <p:spPr>
+          <a:xfrm>
+            <a:off x="4736306" y="4352829"/>
+            <a:ext cx="4395788" cy="923330"/>
+          </a:xfrm>
+          <a:prstGeom prst="rect">
+            <a:avLst/>
+          </a:prstGeom>
+          <a:noFill/>
+        </p:spPr>
+        <p:txBody>
+          <a:bodyPr wrap="square" rtlCol="0">
+            <a:spAutoFit/>
+          </a:bodyPr>
+          <a:lstStyle/>
+          <a:p>
+            <a:r>
+              <a:rPr lang="en-US" dirty="0" smtClean="0"/>
+              <a:t>Record which intersection connect the beginning of a road, and </a:t>
+            </a:r>
+            <a:r>
+              <a:rPr lang="en-US" smtClean="0"/>
+              <a:t>which roads can enter an intersection</a:t>
+            </a:r>
+            <a:endParaRPr lang="en-US"/>
+          </a:p>
+        </p:txBody>
+      </p:sp>
+      <p:sp>
+        <p:nvSpPr>
+          <p:cNvPr id="12" name="TextBox 11"/>
+          <p:cNvSpPr txBox="1"/>
+          <p:nvPr/>
+        </p:nvSpPr>
+        <p:spPr>
+          <a:xfrm>
+            <a:off x="367964" y="5708431"/>
+            <a:ext cx="8408071" cy="646331"/>
+          </a:xfrm>
+          <a:prstGeom prst="rect">
+            <a:avLst/>
+          </a:prstGeom>
+          <a:noFill/>
+        </p:spPr>
+        <p:txBody>
+          <a:bodyPr wrap="none" rtlCol="0">
+            <a:spAutoFit/>
+          </a:bodyPr>
+          <a:lstStyle/>
+          <a:p>
+            <a:r>
+              <a:rPr lang="en-US" dirty="0" smtClean="0">
+                <a:solidFill>
+                  <a:srgbClr val="9CFC9C"/>
+                </a:solidFill>
+              </a:rPr>
+              <a:t>Roads and Intersections are only geo-structures.</a:t>
+            </a:r>
+          </a:p>
+          <a:p>
+            <a:r>
+              <a:rPr lang="en-US" dirty="0" smtClean="0">
+                <a:solidFill>
+                  <a:srgbClr val="9CFC9C"/>
+                </a:solidFill>
+              </a:rPr>
+              <a:t>Map and </a:t>
+            </a:r>
+            <a:r>
+              <a:rPr lang="en-US" dirty="0" err="1" smtClean="0">
+                <a:solidFill>
+                  <a:srgbClr val="9CFC9C"/>
+                </a:solidFill>
+              </a:rPr>
+              <a:t>ReverseMap</a:t>
+            </a:r>
+            <a:r>
+              <a:rPr lang="en-US" dirty="0" smtClean="0">
+                <a:solidFill>
+                  <a:srgbClr val="9CFC9C"/>
+                </a:solidFill>
+              </a:rPr>
+              <a:t> provide connections and they are used for route search.</a:t>
+            </a:r>
+            <a:endParaRPr lang="en-US" dirty="0">
+              <a:solidFill>
+                <a:srgbClr val="9CFC9C"/>
+              </a:solidFill>
+            </a:endParaRPr>
           </a:p>
         </p:txBody>
       </p:sp>
     </p:spTree>
     <p:extLst>
       <p:ext uri="{BB962C8B-B14F-4D97-AF65-F5344CB8AC3E}">
-        <p14:creationId xmlns:p14="http://schemas.microsoft.com/office/powerpoint/2010/main" val="1098785099"/>
+        <p14:creationId xmlns:p14="http://schemas.microsoft.com/office/powerpoint/2010/main" val="982288473"/>
       </p:ext>
     </p:extLst>
   </p:cSld>
@@ -16706,6 +17580,279 @@
         <p:spPr>
           <a:xfrm>
             <a:off x="628650" y="365126"/>
+            <a:ext cx="7886700" cy="1082674"/>
+          </a:xfrm>
+        </p:spPr>
+        <p:txBody>
+          <a:bodyPr>
+            <a:noAutofit/>
+          </a:bodyPr>
+          <a:lstStyle/>
+          <a:p>
+            <a:pPr algn="r"/>
+            <a:r>
+              <a:rPr lang="en-US" sz="3200" smtClean="0"/>
+              <a:t>Road Network Representation </a:t>
+            </a:r>
+            <a:br>
+              <a:rPr lang="en-US" sz="3200" smtClean="0"/>
+            </a:br>
+            <a:r>
+              <a:rPr lang="en-US" sz="3200" smtClean="0"/>
+              <a:t>- </a:t>
+            </a:r>
+            <a:r>
+              <a:rPr lang="en-US" sz="3200" dirty="0" smtClean="0"/>
+              <a:t>Features</a:t>
+            </a:r>
+            <a:endParaRPr lang="en-US" sz="3200" dirty="0"/>
+          </a:p>
+        </p:txBody>
+      </p:sp>
+      <p:sp>
+        <p:nvSpPr>
+          <p:cNvPr id="5" name="Content Placeholder 4"/>
+          <p:cNvSpPr>
+            <a:spLocks noGrp="1"/>
+          </p:cNvSpPr>
+          <p:nvPr>
+            <p:ph idx="1"/>
+          </p:nvPr>
+        </p:nvSpPr>
+        <p:spPr/>
+        <p:txBody>
+          <a:bodyPr>
+            <a:normAutofit lnSpcReduction="10000"/>
+          </a:bodyPr>
+          <a:lstStyle/>
+          <a:p>
+            <a:r>
+              <a:rPr lang="en-US" sz="2400" dirty="0" smtClean="0"/>
+              <a:t>All road network elements (including intersections, roads, lanes, and tiles) share same feature:</a:t>
+            </a:r>
+          </a:p>
+          <a:p>
+            <a:pPr lvl="1"/>
+            <a:r>
+              <a:rPr lang="en-US" sz="2250" i="1" dirty="0" smtClean="0"/>
+              <a:t>Geo-location</a:t>
+            </a:r>
+          </a:p>
+          <a:p>
+            <a:r>
+              <a:rPr lang="en-US" sz="2400" dirty="0" smtClean="0"/>
+              <a:t>Super class </a:t>
+            </a:r>
+            <a:r>
+              <a:rPr lang="en-US" sz="2400" dirty="0" err="1" smtClean="0"/>
+              <a:t>RNLocation</a:t>
+            </a:r>
+            <a:endParaRPr lang="en-US" sz="2400" dirty="0" smtClean="0"/>
+          </a:p>
+          <a:p>
+            <a:r>
+              <a:rPr lang="en-US" sz="2400" dirty="0" smtClean="0"/>
+              <a:t>Class </a:t>
+            </a:r>
+            <a:r>
+              <a:rPr lang="en-US" sz="2400" dirty="0" err="1" smtClean="0"/>
+              <a:t>famility</a:t>
+            </a:r>
+            <a:r>
+              <a:rPr lang="en-US" sz="2400" dirty="0" smtClean="0"/>
+              <a:t> tree:</a:t>
+            </a:r>
+          </a:p>
+          <a:p>
+            <a:pPr lvl="1"/>
+            <a:r>
+              <a:rPr lang="en-US" sz="2250" dirty="0" err="1" smtClean="0"/>
+              <a:t>RNLocation</a:t>
+            </a:r>
+            <a:r>
+              <a:rPr lang="en-US" sz="2250" dirty="0" smtClean="0"/>
+              <a:t>: (</a:t>
+            </a:r>
+            <a:r>
+              <a:rPr lang="en-US" sz="2250" dirty="0" err="1" smtClean="0"/>
+              <a:t>x,y,z</a:t>
+            </a:r>
+            <a:r>
+              <a:rPr lang="en-US" sz="2250" dirty="0" smtClean="0"/>
+              <a:t>)</a:t>
+            </a:r>
+          </a:p>
+          <a:p>
+            <a:pPr lvl="2"/>
+            <a:r>
+              <a:rPr lang="en-US" sz="2100" dirty="0" smtClean="0"/>
+              <a:t>-</a:t>
+            </a:r>
+            <a:r>
+              <a:rPr lang="en-US" sz="2100" dirty="0" err="1" smtClean="0"/>
+              <a:t>RNGate</a:t>
+            </a:r>
+            <a:r>
+              <a:rPr lang="en-US" sz="2100" dirty="0" smtClean="0"/>
+              <a:t> (entry, exit)</a:t>
+            </a:r>
+          </a:p>
+          <a:p>
+            <a:pPr lvl="2"/>
+            <a:r>
+              <a:rPr lang="en-US" sz="2100" dirty="0" smtClean="0"/>
+              <a:t>-</a:t>
+            </a:r>
+            <a:r>
+              <a:rPr lang="en-US" sz="2100" dirty="0" err="1" smtClean="0"/>
+              <a:t>RNElement</a:t>
+            </a:r>
+            <a:r>
+              <a:rPr lang="en-US" sz="2100" dirty="0" smtClean="0"/>
+              <a:t> (width, length)</a:t>
+            </a:r>
+          </a:p>
+          <a:p>
+            <a:pPr lvl="3"/>
+            <a:r>
+              <a:rPr lang="en-US" sz="1950" dirty="0" smtClean="0"/>
+              <a:t>--</a:t>
+            </a:r>
+            <a:r>
+              <a:rPr lang="en-US" sz="1950" dirty="0" err="1" smtClean="0"/>
+              <a:t>RNRoadTile</a:t>
+            </a:r>
+            <a:r>
+              <a:rPr lang="en-US" sz="1950" dirty="0" smtClean="0"/>
+              <a:t> (slope, direction)</a:t>
+            </a:r>
+          </a:p>
+          <a:p>
+            <a:pPr lvl="3"/>
+            <a:r>
+              <a:rPr lang="en-US" sz="1950" dirty="0" smtClean="0"/>
+              <a:t>--</a:t>
+            </a:r>
+            <a:r>
+              <a:rPr lang="en-US" sz="1950" dirty="0" err="1" smtClean="0"/>
+              <a:t>RNLane</a:t>
+            </a:r>
+            <a:r>
+              <a:rPr lang="en-US" sz="1950" dirty="0" smtClean="0"/>
+              <a:t>: consists Array&lt;</a:t>
+            </a:r>
+            <a:r>
+              <a:rPr lang="en-US" sz="1950" dirty="0" err="1" smtClean="0"/>
+              <a:t>RNRoadTile</a:t>
+            </a:r>
+            <a:r>
+              <a:rPr lang="en-US" sz="1950" dirty="0" smtClean="0"/>
+              <a:t>&gt;</a:t>
+            </a:r>
+          </a:p>
+          <a:p>
+            <a:pPr lvl="3"/>
+            <a:r>
+              <a:rPr lang="en-US" sz="1950" dirty="0" smtClean="0"/>
+              <a:t>--</a:t>
+            </a:r>
+            <a:r>
+              <a:rPr lang="en-US" sz="1950" dirty="0" err="1" smtClean="0"/>
+              <a:t>RNRoad</a:t>
+            </a:r>
+            <a:r>
+              <a:rPr lang="en-US" sz="1950" dirty="0" smtClean="0"/>
+              <a:t>: consists Array&lt;</a:t>
+            </a:r>
+            <a:r>
+              <a:rPr lang="en-US" sz="1950" dirty="0" err="1" smtClean="0"/>
+              <a:t>RNLane</a:t>
+            </a:r>
+            <a:r>
+              <a:rPr lang="en-US" sz="1950" dirty="0" smtClean="0"/>
+              <a:t>&gt;</a:t>
+            </a:r>
+          </a:p>
+          <a:p>
+            <a:pPr lvl="3"/>
+            <a:r>
+              <a:rPr lang="en-US" sz="1950" dirty="0" smtClean="0"/>
+              <a:t>--</a:t>
+            </a:r>
+            <a:r>
+              <a:rPr lang="en-US" sz="1950" dirty="0" err="1" smtClean="0"/>
+              <a:t>RNIntersection</a:t>
+            </a:r>
+            <a:r>
+              <a:rPr lang="en-US" sz="1950" dirty="0" smtClean="0"/>
+              <a:t> (entries, exits)</a:t>
+            </a:r>
+            <a:endParaRPr lang="en-US" sz="1950" dirty="0"/>
+          </a:p>
+        </p:txBody>
+      </p:sp>
+    </p:spTree>
+    <p:extLst>
+      <p:ext uri="{BB962C8B-B14F-4D97-AF65-F5344CB8AC3E}">
+        <p14:creationId xmlns:p14="http://schemas.microsoft.com/office/powerpoint/2010/main" val="1098785099"/>
+      </p:ext>
+    </p:extLst>
+  </p:cSld>
+  <p:clrMapOvr>
+    <a:masterClrMapping/>
+  </p:clrMapOvr>
+  <mc:AlternateContent xmlns:mc="http://schemas.openxmlformats.org/markup-compatibility/2006" xmlns:p14="http://schemas.microsoft.com/office/powerpoint/2010/main">
+    <mc:Choice Requires="p14">
+      <p:transition spd="med" p14:dur="700">
+        <p:fade/>
+      </p:transition>
+    </mc:Choice>
+    <mc:Fallback xmlns="">
+      <p:transition spd="med">
+        <p:fade/>
+      </p:transition>
+    </mc:Fallback>
+  </mc:AlternateContent>
+  <p:timing>
+    <p:tnLst>
+      <p:par>
+        <p:cTn id="1" dur="indefinite" restart="never" nodeType="tmRoot"/>
+      </p:par>
+    </p:tnLst>
+  </p:timing>
+</p:sld>
+</file>
+
+<file path=ppt/slides/slide8.xml><?xml version="1.0" encoding="utf-8"?>
+<p:sld xmlns:a="http://schemas.openxmlformats.org/drawingml/2006/main" xmlns:r="http://schemas.openxmlformats.org/officeDocument/2006/relationships" xmlns:p="http://schemas.openxmlformats.org/presentationml/2006/main">
+  <p:cSld>
+    <p:spTree>
+      <p:nvGrpSpPr>
+        <p:cNvPr id="1" name=""/>
+        <p:cNvGrpSpPr/>
+        <p:nvPr/>
+      </p:nvGrpSpPr>
+      <p:grpSpPr>
+        <a:xfrm>
+          <a:off x="0" y="0"/>
+          <a:ext cx="0" cy="0"/>
+          <a:chOff x="0" y="0"/>
+          <a:chExt cx="0" cy="0"/>
+        </a:xfrm>
+      </p:grpSpPr>
+      <p:sp>
+        <p:nvSpPr>
+          <p:cNvPr id="2" name="Title 1"/>
+          <p:cNvSpPr>
+            <a:spLocks noGrp="1"/>
+          </p:cNvSpPr>
+          <p:nvPr>
+            <p:ph type="title"/>
+          </p:nvPr>
+        </p:nvSpPr>
+        <p:spPr>
+          <a:xfrm>
+            <a:off x="628650" y="365126"/>
             <a:ext cx="7886700" cy="930274"/>
           </a:xfrm>
         </p:spPr>
@@ -16840,7 +17987,7 @@
 </p:sld>
 </file>
 
-<file path=ppt/slides/slide8.xml><?xml version="1.0" encoding="utf-8"?>
+<file path=ppt/slides/slide9.xml><?xml version="1.0" encoding="utf-8"?>
 <p:sld xmlns:a="http://schemas.openxmlformats.org/drawingml/2006/main" xmlns:r="http://schemas.openxmlformats.org/officeDocument/2006/relationships" xmlns:p="http://schemas.openxmlformats.org/presentationml/2006/main">
   <p:cSld>
     <p:spTree>
@@ -17796,110 +18943,6 @@
 </p:sld>
 </file>
 
-<file path=ppt/slides/slide9.xml><?xml version="1.0" encoding="utf-8"?>
-<p:sld xmlns:a="http://schemas.openxmlformats.org/drawingml/2006/main" xmlns:r="http://schemas.openxmlformats.org/officeDocument/2006/relationships" xmlns:p="http://schemas.openxmlformats.org/presentationml/2006/main">
-  <p:cSld>
-    <p:spTree>
-      <p:nvGrpSpPr>
-        <p:cNvPr id="1" name=""/>
-        <p:cNvGrpSpPr/>
-        <p:nvPr/>
-      </p:nvGrpSpPr>
-      <p:grpSpPr>
-        <a:xfrm>
-          <a:off x="0" y="0"/>
-          <a:ext cx="0" cy="0"/>
-          <a:chOff x="0" y="0"/>
-          <a:chExt cx="0" cy="0"/>
-        </a:xfrm>
-      </p:grpSpPr>
-      <p:sp>
-        <p:nvSpPr>
-          <p:cNvPr id="2" name="Title 1"/>
-          <p:cNvSpPr>
-            <a:spLocks noGrp="1"/>
-          </p:cNvSpPr>
-          <p:nvPr>
-            <p:ph type="title"/>
-          </p:nvPr>
-        </p:nvSpPr>
-        <p:spPr/>
-        <p:txBody>
-          <a:bodyPr>
-            <a:normAutofit/>
-          </a:bodyPr>
-          <a:lstStyle/>
-          <a:p>
-            <a:pPr algn="r"/>
-            <a:r>
-              <a:rPr lang="en-US" sz="3200" dirty="0" smtClean="0"/>
-              <a:t>Traffic Simulation </a:t>
-            </a:r>
-            <a:br>
-              <a:rPr lang="en-US" sz="3200" dirty="0" smtClean="0"/>
-            </a:br>
-            <a:r>
-              <a:rPr lang="en-US" sz="3200" dirty="0" smtClean="0"/>
-              <a:t>– Integration and Views</a:t>
-            </a:r>
-            <a:endParaRPr lang="en-US" sz="3200" dirty="0"/>
-          </a:p>
-        </p:txBody>
-      </p:sp>
-      <p:graphicFrame>
-        <p:nvGraphicFramePr>
-          <p:cNvPr id="4" name="Diagram 3"/>
-          <p:cNvGraphicFramePr/>
-          <p:nvPr>
-            <p:extLst>
-              <p:ext uri="{D42A27DB-BD31-4B8C-83A1-F6EECF244321}">
-                <p14:modId xmlns:p14="http://schemas.microsoft.com/office/powerpoint/2010/main" val="2120106483"/>
-              </p:ext>
-            </p:extLst>
-          </p:nvPr>
-        </p:nvGraphicFramePr>
-        <p:xfrm>
-          <a:off x="762000" y="2039938"/>
-          <a:ext cx="7753350" cy="4064000"/>
-        </p:xfrm>
-        <a:graphic>
-          <a:graphicData uri="http://schemas.openxmlformats.org/drawingml/2006/diagram">
-            <dgm:relIds xmlns:dgm="http://schemas.openxmlformats.org/drawingml/2006/diagram" xmlns:r="http://schemas.openxmlformats.org/officeDocument/2006/relationships" r:dm="rId2" r:lo="rId3" r:qs="rId4" r:cs="rId5"/>
-          </a:graphicData>
-        </a:graphic>
-      </p:graphicFrame>
-    </p:spTree>
-    <p:extLst>
-      <p:ext uri="{BB962C8B-B14F-4D97-AF65-F5344CB8AC3E}">
-        <p14:creationId xmlns:p14="http://schemas.microsoft.com/office/powerpoint/2010/main" val="783240732"/>
-      </p:ext>
-    </p:extLst>
-  </p:cSld>
-  <p:clrMapOvr>
-    <a:masterClrMapping/>
-  </p:clrMapOvr>
-  <mc:AlternateContent xmlns:mc="http://schemas.openxmlformats.org/markup-compatibility/2006" xmlns:p14="http://schemas.microsoft.com/office/powerpoint/2010/main">
-    <mc:Choice Requires="p14">
-      <p:transition spd="med" p14:dur="700">
-        <p:fade/>
-      </p:transition>
-    </mc:Choice>
-    <mc:Fallback xmlns="">
-      <p:transition spd="med">
-        <p:fade/>
-      </p:transition>
-    </mc:Fallback>
-  </mc:AlternateContent>
-  <p:timing>
-    <p:tnLst>
-      <p:par>
-        <p:cTn id="1" dur="indefinite" restart="never" nodeType="tmRoot"/>
-      </p:par>
-    </p:tnLst>
-  </p:timing>
-</p:sld>
-</file>
-
 <file path=ppt/theme/theme1.xml><?xml version="1.0" encoding="utf-8"?>
 <a:theme xmlns:a="http://schemas.openxmlformats.org/drawingml/2006/main" name="CITY SKETCH 16X9">
   <a:themeElements>

--- a/Presentation.pptx
+++ b/Presentation.pptx
@@ -5,10 +5,10 @@
     <p:sldMasterId id="2147483648" r:id="rId1"/>
   </p:sldMasterIdLst>
   <p:notesMasterIdLst>
-    <p:notesMasterId r:id="rId18"/>
+    <p:notesMasterId r:id="rId21"/>
   </p:notesMasterIdLst>
   <p:handoutMasterIdLst>
-    <p:handoutMasterId r:id="rId19"/>
+    <p:handoutMasterId r:id="rId22"/>
   </p:handoutMasterIdLst>
   <p:sldIdLst>
     <p:sldId id="256" r:id="rId2"/>
@@ -25,8 +25,11 @@
     <p:sldId id="279" r:id="rId13"/>
     <p:sldId id="274" r:id="rId14"/>
     <p:sldId id="275" r:id="rId15"/>
-    <p:sldId id="276" r:id="rId16"/>
-    <p:sldId id="277" r:id="rId17"/>
+    <p:sldId id="282" r:id="rId16"/>
+    <p:sldId id="281" r:id="rId17"/>
+    <p:sldId id="276" r:id="rId18"/>
+    <p:sldId id="277" r:id="rId19"/>
+    <p:sldId id="283" r:id="rId20"/>
   </p:sldIdLst>
   <p:sldSz cx="9144000" cy="6858000" type="screen4x3"/>
   <p:notesSz cx="6858000" cy="9144000"/>
@@ -11942,21 +11945,21 @@
             <a:pPr lvl="3"/>
             <a:r>
               <a:rPr lang="en-US" sz="1950" dirty="0" smtClean="0"/>
-              <a:t>Start traffic simulation</a:t>
+              <a:t>Start or end traffic simulation</a:t>
             </a:r>
           </a:p>
           <a:p>
             <a:pPr lvl="1"/>
             <a:r>
               <a:rPr lang="en-US" sz="2250" dirty="0" smtClean="0"/>
-              <a:t>In the code:</a:t>
+              <a:t>Change parameters:</a:t>
             </a:r>
           </a:p>
           <a:p>
             <a:pPr lvl="3"/>
             <a:r>
               <a:rPr lang="en-US" sz="1950" dirty="0" smtClean="0"/>
-              <a:t>Change experimental parameters</a:t>
+              <a:t>Number of lanes per road, max number of cars, reset all</a:t>
             </a:r>
           </a:p>
           <a:p>
@@ -11998,6 +12001,13 @@
       </p:transition>
     </mc:Fallback>
   </mc:AlternateContent>
+  <p:timing>
+    <p:tnLst>
+      <p:par>
+        <p:cTn id="1" dur="indefinite" restart="never" nodeType="tmRoot"/>
+      </p:par>
+    </p:tnLst>
+  </p:timing>
 </p:sld>
 </file>
 
@@ -12068,76 +12078,75 @@
         <p:spPr/>
         <p:txBody>
           <a:bodyPr>
-            <a:normAutofit/>
+            <a:noAutofit/>
           </a:bodyPr>
           <a:lstStyle/>
           <a:p>
             <a:r>
+              <a:rPr lang="en-US" sz="2400" dirty="0" smtClean="0"/>
+              <a:t>Car agent program:</a:t>
+            </a:r>
+          </a:p>
+          <a:p>
+            <a:pPr lvl="1"/>
+            <a:r>
               <a:rPr lang="en-US" sz="2000" dirty="0" smtClean="0"/>
-              <a:t>Car agent working:</a:t>
+              <a:t>&gt;Get percept from the road network and traffic situation</a:t>
+            </a:r>
+          </a:p>
+          <a:p>
+            <a:pPr lvl="3"/>
+            <a:r>
+              <a:rPr lang="en-US" sz="1600" dirty="0" smtClean="0"/>
+              <a:t>Current road, next road, destination, previous car</a:t>
             </a:r>
           </a:p>
           <a:p>
             <a:pPr lvl="1"/>
             <a:r>
-              <a:rPr lang="en-US" sz="1850" dirty="0" smtClean="0"/>
-              <a:t>&gt;Get percept from the road network and traffic situation</a:t>
+              <a:rPr lang="en-US" sz="2000" dirty="0" smtClean="0"/>
+              <a:t>&gt;Update its status using the percept</a:t>
             </a:r>
           </a:p>
           <a:p>
             <a:pPr lvl="3"/>
             <a:r>
-              <a:rPr lang="en-US" sz="1550" dirty="0" smtClean="0"/>
-              <a:t>Current road, next road, destination, previous car</a:t>
+              <a:rPr lang="en-US" sz="1600" dirty="0" smtClean="0"/>
+              <a:t>Traveling or reached destination or dead end</a:t>
             </a:r>
           </a:p>
           <a:p>
             <a:pPr lvl="1"/>
             <a:r>
-              <a:rPr lang="en-US" sz="1850" dirty="0" smtClean="0"/>
-              <a:t>&gt;Update its status using the percept</a:t>
+              <a:rPr lang="en-US" sz="2000" dirty="0" smtClean="0"/>
+              <a:t>&gt;Generate an action</a:t>
             </a:r>
           </a:p>
           <a:p>
             <a:pPr lvl="3"/>
             <a:r>
-              <a:rPr lang="en-US" sz="1550" dirty="0" smtClean="0"/>
-              <a:t>Traveling or reached destination or dead end</a:t>
+              <a:rPr lang="en-US" sz="1600" dirty="0" smtClean="0"/>
+              <a:t>Start moving, keep moving on the current lane; Passing an intersection; Reached destination; IDM to keep distance to other cars.</a:t>
             </a:r>
           </a:p>
           <a:p>
             <a:pPr lvl="1"/>
             <a:r>
-              <a:rPr lang="en-US" sz="1850" dirty="0" smtClean="0"/>
-              <a:t>&gt;Generate an action</a:t>
+              <a:rPr lang="en-US" sz="2000" dirty="0" smtClean="0"/>
+              <a:t>&gt;The traffic simulator decide if the action works</a:t>
             </a:r>
           </a:p>
           <a:p>
             <a:pPr lvl="3"/>
             <a:r>
-              <a:rPr lang="en-US" sz="1400" dirty="0" smtClean="0"/>
-              <a:t>Start moving, keep moving on the current lane; Passing an intersection; Reached destination; IDM to keep distance to other cars.</a:t>
-            </a:r>
-            <a:endParaRPr lang="en-US" sz="1400" dirty="0"/>
+              <a:rPr lang="en-US" sz="1600" dirty="0" smtClean="0"/>
+              <a:t>Currently all of them works</a:t>
+            </a:r>
           </a:p>
           <a:p>
             <a:pPr lvl="1"/>
             <a:r>
-              <a:rPr lang="en-US" sz="1700" dirty="0" smtClean="0"/>
-              <a:t>&gt;The traffic simulator decide if the action works</a:t>
-            </a:r>
-          </a:p>
-          <a:p>
-            <a:pPr lvl="3"/>
-            <a:r>
-              <a:rPr lang="en-US" sz="1250" dirty="0" smtClean="0"/>
-              <a:t>Currently all of them works</a:t>
-            </a:r>
-          </a:p>
-          <a:p>
-            <a:pPr lvl="1"/>
-            <a:r>
-              <a:rPr lang="en-US" sz="1550" dirty="0" smtClean="0"/>
+              <a:rPr lang="en-US" sz="2000" dirty="0" smtClean="0"/>
               <a:t>&gt;Do this update process 25 times a second.</a:t>
             </a:r>
           </a:p>
@@ -12165,6 +12174,13 @@
       </p:transition>
     </mc:Fallback>
   </mc:AlternateContent>
+  <p:timing>
+    <p:tnLst>
+      <p:par>
+        <p:cTn id="1" dur="indefinite" restart="never" nodeType="tmRoot"/>
+      </p:par>
+    </p:tnLst>
+  </p:timing>
 </p:sld>
 </file>
 
@@ -12282,31 +12298,23 @@
         </p:spPr>
         <p:txBody>
           <a:bodyPr>
-            <a:normAutofit/>
+            <a:noAutofit/>
           </a:bodyPr>
           <a:lstStyle/>
           <a:p>
             <a:pPr algn="r"/>
             <a:r>
-              <a:rPr lang="en-US" sz="3200" smtClean="0"/>
+              <a:rPr lang="en-US" sz="2800" dirty="0" smtClean="0"/>
               <a:t>Conclusion</a:t>
             </a:r>
             <a:br>
-              <a:rPr lang="en-US" sz="3200" smtClean="0"/>
+              <a:rPr lang="en-US" sz="2800" dirty="0" smtClean="0"/>
             </a:br>
             <a:r>
-              <a:rPr lang="en-US" sz="3200"/>
-              <a:t>-</a:t>
-            </a:r>
-            <a:r>
-              <a:rPr lang="en-US" sz="3200" smtClean="0"/>
-              <a:t>Flexible </a:t>
-            </a:r>
-            <a:r>
-              <a:rPr lang="en-US" sz="3200" dirty="0" smtClean="0"/>
-              <a:t>Road Network Construction</a:t>
-            </a:r>
-            <a:endParaRPr lang="en-US" sz="3200" dirty="0"/>
+              <a:rPr lang="en-US" sz="2800" dirty="0" smtClean="0"/>
+              <a:t>Metro -Flexible Road Network Construction</a:t>
+            </a:r>
+            <a:endParaRPr lang="en-US" sz="2800" dirty="0"/>
           </a:p>
         </p:txBody>
       </p:sp>
@@ -12399,26 +12407,42 @@
             <p:ph type="title"/>
           </p:nvPr>
         </p:nvSpPr>
-        <p:spPr/>
+        <p:spPr>
+          <a:xfrm>
+            <a:off x="228600" y="365126"/>
+            <a:ext cx="8610600" cy="1145224"/>
+          </a:xfrm>
+        </p:spPr>
         <p:txBody>
           <a:bodyPr>
-            <a:normAutofit/>
+            <a:noAutofit/>
           </a:bodyPr>
           <a:lstStyle/>
           <a:p>
             <a:pPr algn="r"/>
             <a:r>
-              <a:rPr lang="en-US" sz="3200" dirty="0" smtClean="0"/>
+              <a:rPr lang="en-US" sz="2800"/>
               <a:t>Conclusion</a:t>
             </a:r>
+            <a:r>
+              <a:rPr lang="en-US" sz="2800"/>
+              <a:t/>
+            </a:r>
             <a:br>
-              <a:rPr lang="en-US" sz="3200" dirty="0" smtClean="0"/>
+              <a:rPr lang="en-US" sz="2800"/>
             </a:br>
             <a:r>
-              <a:rPr lang="en-US" sz="3200" dirty="0" smtClean="0"/>
-              <a:t>-Showing statistic results</a:t>
-            </a:r>
-            <a:endParaRPr lang="en-US" sz="3200" dirty="0"/>
+              <a:rPr lang="en-US" altLang="zh-CN" sz="2800" smtClean="0"/>
+              <a:t>Interchange</a:t>
+            </a:r>
+            <a:r>
+              <a:rPr lang="en-US" sz="2800" smtClean="0"/>
+              <a:t> - Flexible </a:t>
+            </a:r>
+            <a:r>
+              <a:rPr lang="en-US" sz="2800"/>
+              <a:t>Road Network Construction</a:t>
+            </a:r>
           </a:p>
         </p:txBody>
       </p:sp>
@@ -12444,14 +12468,203 @@
         </p:blipFill>
         <p:spPr>
           <a:xfrm>
-            <a:off x="5410200" y="1828800"/>
-            <a:ext cx="3378200" cy="4152900"/>
+            <a:off x="1541540" y="1676400"/>
+            <a:ext cx="5984720" cy="4595528"/>
           </a:xfrm>
           <a:prstGeom prst="rect">
             <a:avLst/>
           </a:prstGeom>
         </p:spPr>
       </p:pic>
+    </p:spTree>
+    <p:extLst>
+      <p:ext uri="{BB962C8B-B14F-4D97-AF65-F5344CB8AC3E}">
+        <p14:creationId xmlns:p14="http://schemas.microsoft.com/office/powerpoint/2010/main" val="1133709828"/>
+      </p:ext>
+    </p:extLst>
+  </p:cSld>
+  <p:clrMapOvr>
+    <a:masterClrMapping/>
+  </p:clrMapOvr>
+  <mc:AlternateContent xmlns:mc="http://schemas.openxmlformats.org/markup-compatibility/2006" xmlns:p14="http://schemas.microsoft.com/office/powerpoint/2010/main">
+    <mc:Choice Requires="p14">
+      <p:transition spd="med" p14:dur="700">
+        <p:fade/>
+      </p:transition>
+    </mc:Choice>
+    <mc:Fallback xmlns="">
+      <p:transition spd="med">
+        <p:fade/>
+      </p:transition>
+    </mc:Fallback>
+  </mc:AlternateContent>
+</p:sld>
+</file>
+
+<file path=ppt/slides/slide16.xml><?xml version="1.0" encoding="utf-8"?>
+<p:sld xmlns:a="http://schemas.openxmlformats.org/drawingml/2006/main" xmlns:r="http://schemas.openxmlformats.org/officeDocument/2006/relationships" xmlns:p="http://schemas.openxmlformats.org/presentationml/2006/main">
+  <p:cSld>
+    <p:spTree>
+      <p:nvGrpSpPr>
+        <p:cNvPr id="1" name=""/>
+        <p:cNvGrpSpPr/>
+        <p:nvPr/>
+      </p:nvGrpSpPr>
+      <p:grpSpPr>
+        <a:xfrm>
+          <a:off x="0" y="0"/>
+          <a:ext cx="0" cy="0"/>
+          <a:chOff x="0" y="0"/>
+          <a:chExt cx="0" cy="0"/>
+        </a:xfrm>
+      </p:grpSpPr>
+      <p:sp>
+        <p:nvSpPr>
+          <p:cNvPr id="2" name="Title 1"/>
+          <p:cNvSpPr>
+            <a:spLocks noGrp="1"/>
+          </p:cNvSpPr>
+          <p:nvPr>
+            <p:ph type="title"/>
+          </p:nvPr>
+        </p:nvSpPr>
+        <p:spPr>
+          <a:xfrm>
+            <a:off x="381000" y="365126"/>
+            <a:ext cx="8305800" cy="1145224"/>
+          </a:xfrm>
+        </p:spPr>
+        <p:txBody>
+          <a:bodyPr>
+            <a:noAutofit/>
+          </a:bodyPr>
+          <a:lstStyle/>
+          <a:p>
+            <a:pPr algn="r"/>
+            <a:r>
+              <a:rPr lang="en-US" sz="2800" dirty="0"/>
+              <a:t>Conclusion</a:t>
+            </a:r>
+            <a:br>
+              <a:rPr lang="en-US" sz="2800" dirty="0"/>
+            </a:br>
+            <a:r>
+              <a:rPr lang="en-US" sz="2800" dirty="0" smtClean="0"/>
+              <a:t>Any shape - Flexible </a:t>
+            </a:r>
+            <a:r>
+              <a:rPr lang="en-US" sz="2800" dirty="0"/>
+              <a:t>Road Network Construction</a:t>
+            </a:r>
+            <a:endParaRPr lang="en-US" sz="2400" dirty="0"/>
+          </a:p>
+        </p:txBody>
+      </p:sp>
+      <p:pic>
+        <p:nvPicPr>
+          <p:cNvPr id="4" name="Picture 3"/>
+          <p:cNvPicPr>
+            <a:picLocks noChangeAspect="1"/>
+          </p:cNvPicPr>
+          <p:nvPr/>
+        </p:nvPicPr>
+        <p:blipFill>
+          <a:blip r:embed="rId2">
+            <a:extLst>
+              <a:ext uri="{28A0092B-C50C-407E-A947-70E740481C1C}">
+                <a14:useLocalDpi xmlns:a14="http://schemas.microsoft.com/office/drawing/2010/main" val="0"/>
+              </a:ext>
+            </a:extLst>
+          </a:blip>
+          <a:stretch>
+            <a:fillRect/>
+          </a:stretch>
+        </p:blipFill>
+        <p:spPr>
+          <a:xfrm>
+            <a:off x="643434" y="1676399"/>
+            <a:ext cx="7871915" cy="4794537"/>
+          </a:xfrm>
+          <a:prstGeom prst="rect">
+            <a:avLst/>
+          </a:prstGeom>
+        </p:spPr>
+      </p:pic>
+    </p:spTree>
+    <p:extLst>
+      <p:ext uri="{BB962C8B-B14F-4D97-AF65-F5344CB8AC3E}">
+        <p14:creationId xmlns:p14="http://schemas.microsoft.com/office/powerpoint/2010/main" val="1246834148"/>
+      </p:ext>
+    </p:extLst>
+  </p:cSld>
+  <p:clrMapOvr>
+    <a:masterClrMapping/>
+  </p:clrMapOvr>
+  <mc:AlternateContent xmlns:mc="http://schemas.openxmlformats.org/markup-compatibility/2006" xmlns:p14="http://schemas.microsoft.com/office/powerpoint/2010/main">
+    <mc:Choice Requires="p14">
+      <p:transition spd="med" p14:dur="700">
+        <p:fade/>
+      </p:transition>
+    </mc:Choice>
+    <mc:Fallback xmlns="">
+      <p:transition spd="med">
+        <p:fade/>
+      </p:transition>
+    </mc:Fallback>
+  </mc:AlternateContent>
+</p:sld>
+</file>
+
+<file path=ppt/slides/slide17.xml><?xml version="1.0" encoding="utf-8"?>
+<p:sld xmlns:a="http://schemas.openxmlformats.org/drawingml/2006/main" xmlns:r="http://schemas.openxmlformats.org/officeDocument/2006/relationships" xmlns:p="http://schemas.openxmlformats.org/presentationml/2006/main">
+  <p:cSld>
+    <p:spTree>
+      <p:nvGrpSpPr>
+        <p:cNvPr id="1" name=""/>
+        <p:cNvGrpSpPr/>
+        <p:nvPr/>
+      </p:nvGrpSpPr>
+      <p:grpSpPr>
+        <a:xfrm>
+          <a:off x="0" y="0"/>
+          <a:ext cx="0" cy="0"/>
+          <a:chOff x="0" y="0"/>
+          <a:chExt cx="0" cy="0"/>
+        </a:xfrm>
+      </p:grpSpPr>
+      <p:sp>
+        <p:nvSpPr>
+          <p:cNvPr id="2" name="Title 1"/>
+          <p:cNvSpPr>
+            <a:spLocks noGrp="1"/>
+          </p:cNvSpPr>
+          <p:nvPr>
+            <p:ph type="title"/>
+          </p:nvPr>
+        </p:nvSpPr>
+        <p:spPr/>
+        <p:txBody>
+          <a:bodyPr>
+            <a:normAutofit/>
+          </a:bodyPr>
+          <a:lstStyle/>
+          <a:p>
+            <a:pPr algn="r"/>
+            <a:r>
+              <a:rPr lang="en-US" sz="3200" dirty="0" smtClean="0"/>
+              <a:t>Conclusion</a:t>
+            </a:r>
+            <a:br>
+              <a:rPr lang="en-US" sz="3200" dirty="0" smtClean="0"/>
+            </a:br>
+            <a:r>
+              <a:rPr lang="en-US" sz="3200" dirty="0" smtClean="0"/>
+              <a:t>-Showing statistic results</a:t>
+            </a:r>
+            <a:endParaRPr lang="en-US" sz="3200" dirty="0"/>
+          </a:p>
+        </p:txBody>
+      </p:sp>
       <p:pic>
         <p:nvPicPr>
           <p:cNvPr id="5" name="Picture 4"/>
@@ -12461,7 +12674,7 @@
           <p:nvPr/>
         </p:nvPicPr>
         <p:blipFill>
-          <a:blip r:embed="rId3">
+          <a:blip r:embed="rId2">
             <a:extLst>
               <a:ext uri="{28A0092B-C50C-407E-A947-70E740481C1C}">
                 <a14:useLocalDpi xmlns:a14="http://schemas.microsoft.com/office/drawing/2010/main" val="0"/>
@@ -12476,6 +12689,35 @@
           <a:xfrm>
             <a:off x="457200" y="1828800"/>
             <a:ext cx="4648200" cy="4161336"/>
+          </a:xfrm>
+          <a:prstGeom prst="rect">
+            <a:avLst/>
+          </a:prstGeom>
+        </p:spPr>
+      </p:pic>
+      <p:pic>
+        <p:nvPicPr>
+          <p:cNvPr id="6" name="Picture 5"/>
+          <p:cNvPicPr>
+            <a:picLocks noChangeAspect="1"/>
+          </p:cNvPicPr>
+          <p:nvPr/>
+        </p:nvPicPr>
+        <p:blipFill rotWithShape="1">
+          <a:blip r:embed="rId3">
+            <a:extLst>
+              <a:ext uri="{28A0092B-C50C-407E-A947-70E740481C1C}">
+                <a14:useLocalDpi xmlns:a14="http://schemas.microsoft.com/office/drawing/2010/main" val="0"/>
+              </a:ext>
+            </a:extLst>
+          </a:blip>
+          <a:srcRect r="27534" b="29740"/>
+          <a:stretch/>
+        </p:blipFill>
+        <p:spPr>
+          <a:xfrm>
+            <a:off x="4953000" y="1828801"/>
+            <a:ext cx="3660004" cy="4161336"/>
           </a:xfrm>
           <a:prstGeom prst="rect">
             <a:avLst/>
@@ -12514,7 +12756,7 @@
 </p:sld>
 </file>
 
-<file path=ppt/slides/slide16.xml><?xml version="1.0" encoding="utf-8"?>
+<file path=ppt/slides/slide18.xml><?xml version="1.0" encoding="utf-8"?>
 <p:sld xmlns:a="http://schemas.openxmlformats.org/drawingml/2006/main" xmlns:r="http://schemas.openxmlformats.org/officeDocument/2006/relationships" xmlns:p="http://schemas.openxmlformats.org/presentationml/2006/main">
   <p:cSld>
     <p:spTree>
@@ -12601,28 +12843,76 @@
             <a:pPr lvl="1"/>
             <a:r>
               <a:rPr lang="en-US" sz="1850" dirty="0" smtClean="0"/>
-              <a:t>For a certain traffic density, it has an optimal average speed. Traffic will slow down if they are faster, and will speed up if they are slower. </a:t>
+              <a:t>For a certain traffic density, it has an </a:t>
+            </a:r>
+            <a:r>
+              <a:rPr lang="en-US" sz="1850" dirty="0" smtClean="0">
+                <a:solidFill>
+                  <a:srgbClr val="FFC000"/>
+                </a:solidFill>
+              </a:rPr>
+              <a:t>optimal average speed</a:t>
+            </a:r>
+            <a:r>
+              <a:rPr lang="en-US" sz="1850" dirty="0" smtClean="0"/>
+              <a:t>. Traffic will slow down if they are faster, and will speed up if they are slower. </a:t>
             </a:r>
           </a:p>
           <a:p>
             <a:pPr lvl="1"/>
             <a:r>
               <a:rPr lang="en-US" sz="1850" dirty="0" smtClean="0"/>
-              <a:t>Even when traffic density is relatively low, some specific part of the traffic is significantly slower than others. This shows “Traffic jam come out of nowhere”.</a:t>
+              <a:t>Even when traffic density is relatively low, some specific </a:t>
+            </a:r>
+            <a:r>
+              <a:rPr lang="en-US" sz="1850" dirty="0" smtClean="0">
+                <a:solidFill>
+                  <a:srgbClr val="FFC000"/>
+                </a:solidFill>
+              </a:rPr>
+              <a:t>part of the traffic</a:t>
+            </a:r>
+            <a:r>
+              <a:rPr lang="en-US" sz="1850" dirty="0" smtClean="0"/>
+              <a:t> is significantly slower than others. This shows “Traffic jam come out of nowhere”.</a:t>
             </a:r>
           </a:p>
           <a:p>
             <a:pPr lvl="1"/>
             <a:r>
               <a:rPr lang="en-US" sz="1850" dirty="0" smtClean="0"/>
-              <a:t>If speed limit is infinite, it will reach this optimal speed eventually , but it fluctuate.</a:t>
+              <a:t>If speed limit is </a:t>
+            </a:r>
+            <a:r>
+              <a:rPr lang="en-US" sz="1850" dirty="0" smtClean="0">
+                <a:solidFill>
+                  <a:srgbClr val="FFC000"/>
+                </a:solidFill>
+              </a:rPr>
+              <a:t>infinite</a:t>
+            </a:r>
+            <a:r>
+              <a:rPr lang="en-US" sz="1850" dirty="0" smtClean="0"/>
+              <a:t>, it will reach this optimal speed eventually , but it fluctuate.</a:t>
             </a:r>
           </a:p>
           <a:p>
             <a:pPr lvl="1"/>
             <a:r>
               <a:rPr lang="en-US" sz="1850" dirty="0" smtClean="0"/>
-              <a:t>If speed limit is lower than the optimal average speed, all cars will reach a stable speed of the speed limit at the end.</a:t>
+              <a:t>If speed limit is </a:t>
+            </a:r>
+            <a:r>
+              <a:rPr lang="en-US" sz="1850" dirty="0" smtClean="0">
+                <a:solidFill>
+                  <a:srgbClr val="FFC000"/>
+                </a:solidFill>
+              </a:rPr>
+              <a:t>lower than the optimal </a:t>
+            </a:r>
+            <a:r>
+              <a:rPr lang="en-US" sz="1850" dirty="0" smtClean="0"/>
+              <a:t>average speed, all cars will reach a stable speed of the speed limit at the end.</a:t>
             </a:r>
             <a:endParaRPr lang="en-US" sz="1850" dirty="0"/>
           </a:p>
@@ -12632,6 +12922,154 @@
     <p:extLst>
       <p:ext uri="{BB962C8B-B14F-4D97-AF65-F5344CB8AC3E}">
         <p14:creationId xmlns:p14="http://schemas.microsoft.com/office/powerpoint/2010/main" val="573490723"/>
+      </p:ext>
+    </p:extLst>
+  </p:cSld>
+  <p:clrMapOvr>
+    <a:masterClrMapping/>
+  </p:clrMapOvr>
+  <mc:AlternateContent xmlns:mc="http://schemas.openxmlformats.org/markup-compatibility/2006" xmlns:p14="http://schemas.microsoft.com/office/powerpoint/2010/main">
+    <mc:Choice Requires="p14">
+      <p:transition spd="med" p14:dur="700">
+        <p:fade/>
+      </p:transition>
+    </mc:Choice>
+    <mc:Fallback xmlns="">
+      <p:transition spd="med">
+        <p:fade/>
+      </p:transition>
+    </mc:Fallback>
+  </mc:AlternateContent>
+  <p:timing>
+    <p:tnLst>
+      <p:par>
+        <p:cTn id="1" dur="indefinite" restart="never" nodeType="tmRoot"/>
+      </p:par>
+    </p:tnLst>
+  </p:timing>
+</p:sld>
+</file>
+
+<file path=ppt/slides/slide19.xml><?xml version="1.0" encoding="utf-8"?>
+<p:sld xmlns:a="http://schemas.openxmlformats.org/drawingml/2006/main" xmlns:r="http://schemas.openxmlformats.org/officeDocument/2006/relationships" xmlns:p="http://schemas.openxmlformats.org/presentationml/2006/main">
+  <p:cSld>
+    <p:spTree>
+      <p:nvGrpSpPr>
+        <p:cNvPr id="1" name=""/>
+        <p:cNvGrpSpPr/>
+        <p:nvPr/>
+      </p:nvGrpSpPr>
+      <p:grpSpPr>
+        <a:xfrm>
+          <a:off x="0" y="0"/>
+          <a:ext cx="0" cy="0"/>
+          <a:chOff x="0" y="0"/>
+          <a:chExt cx="0" cy="0"/>
+        </a:xfrm>
+      </p:grpSpPr>
+      <p:sp>
+        <p:nvSpPr>
+          <p:cNvPr id="2" name="Title 1"/>
+          <p:cNvSpPr>
+            <a:spLocks noGrp="1"/>
+          </p:cNvSpPr>
+          <p:nvPr>
+            <p:ph type="title"/>
+          </p:nvPr>
+        </p:nvSpPr>
+        <p:spPr/>
+        <p:txBody>
+          <a:bodyPr>
+            <a:normAutofit/>
+          </a:bodyPr>
+          <a:lstStyle/>
+          <a:p>
+            <a:pPr algn="r"/>
+            <a:r>
+              <a:rPr lang="en-US" sz="3200" smtClean="0"/>
+              <a:t>Conclusion - Further </a:t>
+            </a:r>
+            <a:r>
+              <a:rPr lang="en-US" sz="3200" dirty="0" smtClean="0"/>
+              <a:t>development</a:t>
+            </a:r>
+            <a:endParaRPr lang="en-US" sz="3200" dirty="0"/>
+          </a:p>
+        </p:txBody>
+      </p:sp>
+      <p:sp>
+        <p:nvSpPr>
+          <p:cNvPr id="3" name="Content Placeholder 2"/>
+          <p:cNvSpPr>
+            <a:spLocks noGrp="1"/>
+          </p:cNvSpPr>
+          <p:nvPr>
+            <p:ph idx="1"/>
+          </p:nvPr>
+        </p:nvSpPr>
+        <p:spPr/>
+        <p:txBody>
+          <a:bodyPr>
+            <a:normAutofit/>
+          </a:bodyPr>
+          <a:lstStyle/>
+          <a:p>
+            <a:r>
+              <a:rPr lang="en-US" sz="2000" dirty="0" smtClean="0"/>
+              <a:t>Change lanes</a:t>
+            </a:r>
+          </a:p>
+          <a:p>
+            <a:r>
+              <a:rPr lang="en-US" sz="2000" dirty="0" smtClean="0"/>
+              <a:t>Lane rules</a:t>
+            </a:r>
+          </a:p>
+          <a:p>
+            <a:pPr lvl="1"/>
+            <a:r>
+              <a:rPr lang="en-US" sz="1850" dirty="0" smtClean="0"/>
+              <a:t>Left turn only at the next intersection</a:t>
+            </a:r>
+          </a:p>
+          <a:p>
+            <a:pPr lvl="1"/>
+            <a:r>
+              <a:rPr lang="en-US" sz="1850" dirty="0" smtClean="0"/>
+              <a:t>Speed limit</a:t>
+            </a:r>
+          </a:p>
+          <a:p>
+            <a:r>
+              <a:rPr lang="en-US" sz="2000" dirty="0" smtClean="0"/>
+              <a:t>Fork and Merge</a:t>
+            </a:r>
+          </a:p>
+          <a:p>
+            <a:r>
+              <a:rPr lang="en-US" sz="2000" dirty="0" smtClean="0"/>
+              <a:t>Traffic light</a:t>
+            </a:r>
+          </a:p>
+          <a:p>
+            <a:r>
+              <a:rPr lang="en-US" sz="2000" dirty="0" smtClean="0"/>
+              <a:t>Accidents</a:t>
+            </a:r>
+          </a:p>
+          <a:p>
+            <a:r>
+              <a:rPr lang="en-US" sz="2000" dirty="0" smtClean="0"/>
+              <a:t>Traffic jam</a:t>
+            </a:r>
+            <a:endParaRPr lang="en-US" sz="2000" dirty="0"/>
+          </a:p>
+        </p:txBody>
+      </p:sp>
+    </p:spTree>
+    <p:extLst>
+      <p:ext uri="{BB962C8B-B14F-4D97-AF65-F5344CB8AC3E}">
+        <p14:creationId xmlns:p14="http://schemas.microsoft.com/office/powerpoint/2010/main" val="1684735912"/>
       </p:ext>
     </p:extLst>
   </p:cSld>
@@ -15432,6 +15870,66 @@
           </p:txBody>
         </p:sp>
       </p:grpSp>
+      <p:sp>
+        <p:nvSpPr>
+          <p:cNvPr id="62" name="TextBox 61"/>
+          <p:cNvSpPr txBox="1"/>
+          <p:nvPr/>
+        </p:nvSpPr>
+        <p:spPr>
+          <a:xfrm>
+            <a:off x="1733383" y="4216895"/>
+            <a:ext cx="800219" cy="369332"/>
+          </a:xfrm>
+          <a:prstGeom prst="rect">
+            <a:avLst/>
+          </a:prstGeom>
+          <a:noFill/>
+        </p:spPr>
+        <p:txBody>
+          <a:bodyPr wrap="none" rtlCol="0">
+            <a:spAutoFit/>
+          </a:bodyPr>
+          <a:lstStyle/>
+          <a:p>
+            <a:r>
+              <a:rPr lang="en-US" altLang="zh-CN" dirty="0" smtClean="0"/>
+              <a:t>width</a:t>
+            </a:r>
+            <a:endParaRPr lang="en-US" dirty="0"/>
+          </a:p>
+        </p:txBody>
+      </p:sp>
+      <p:sp>
+        <p:nvSpPr>
+          <p:cNvPr id="64" name="TextBox 63"/>
+          <p:cNvSpPr txBox="1"/>
+          <p:nvPr/>
+        </p:nvSpPr>
+        <p:spPr>
+          <a:xfrm>
+            <a:off x="1201538" y="3058528"/>
+            <a:ext cx="867545" cy="369332"/>
+          </a:xfrm>
+          <a:prstGeom prst="rect">
+            <a:avLst/>
+          </a:prstGeom>
+          <a:noFill/>
+        </p:spPr>
+        <p:txBody>
+          <a:bodyPr wrap="none" rtlCol="0">
+            <a:spAutoFit/>
+          </a:bodyPr>
+          <a:lstStyle/>
+          <a:p>
+            <a:r>
+              <a:rPr lang="en-US" altLang="zh-CN" dirty="0" smtClean="0"/>
+              <a:t>length</a:t>
+            </a:r>
+            <a:endParaRPr lang="en-US" dirty="0"/>
+          </a:p>
+        </p:txBody>
+      </p:sp>
     </p:spTree>
     <p:extLst>
       <p:ext uri="{BB962C8B-B14F-4D97-AF65-F5344CB8AC3E}">
@@ -15454,6 +15952,13 @@
       </p:transition>
     </mc:Fallback>
   </mc:AlternateContent>
+  <p:timing>
+    <p:tnLst>
+      <p:par>
+        <p:cTn id="1" dur="indefinite" restart="never" nodeType="tmRoot"/>
+      </p:par>
+    </p:tnLst>
+  </p:timing>
 </p:sld>
 </file>
 
@@ -18063,7 +18568,19 @@
               <a:p>
                 <a:r>
                   <a:rPr lang="en-US" sz="1800" dirty="0" smtClean="0"/>
-                  <a:t>Capture the driver’s control of speed by quantify the tendency of accelerate and brake. The driver tends to keep the same speed with the previous car and keep the minimum distance that it can follow.</a:t>
+                  <a:t>Capture the driver’s control of speed by quantify the tendency of </a:t>
+                </a:r>
+                <a:r>
+                  <a:rPr lang="en-US" sz="1800" dirty="0" smtClean="0">
+                    <a:solidFill>
+                      <a:srgbClr val="FFC000"/>
+                    </a:solidFill>
+                  </a:rPr>
+                  <a:t>accelerate and brake</a:t>
+                </a:r>
+                <a:r>
+                  <a:rPr lang="en-US" sz="1800" dirty="0" smtClean="0"/>
+                  <a:t>. The driver tends to keep the same speed with the previous car and keep the minimum distance that it can follow.</a:t>
                 </a:r>
               </a:p>
               <a:p>
@@ -18846,7 +19363,7 @@
         <p:spPr>
           <a:xfrm>
             <a:off x="280987" y="6019800"/>
-            <a:ext cx="8634413" cy="523220"/>
+            <a:ext cx="8634413" cy="461665"/>
           </a:xfrm>
           <a:prstGeom prst="rect">
             <a:avLst/>
@@ -18860,54 +19377,54 @@
           <a:lstStyle/>
           <a:p>
             <a:r>
-              <a:rPr lang="en-US" sz="1400" smtClean="0"/>
+              <a:rPr lang="en-US" sz="1200" smtClean="0"/>
               <a:t>Reference: Martin </a:t>
             </a:r>
             <a:r>
-              <a:rPr lang="en-US" sz="1400" dirty="0" err="1"/>
+              <a:rPr lang="en-US" sz="1200" dirty="0" err="1"/>
               <a:t>Treiber</a:t>
             </a:r>
             <a:r>
-              <a:rPr lang="en-US" sz="1400" dirty="0"/>
+              <a:rPr lang="en-US" sz="1200" dirty="0"/>
               <a:t>, </a:t>
             </a:r>
             <a:r>
-              <a:rPr lang="en-US" sz="1400" dirty="0" err="1"/>
+              <a:rPr lang="en-US" sz="1200" dirty="0" err="1"/>
               <a:t>Ansgar</a:t>
             </a:r>
             <a:r>
-              <a:rPr lang="en-US" sz="1400" dirty="0"/>
+              <a:rPr lang="en-US" sz="1200" dirty="0"/>
               <a:t> </a:t>
             </a:r>
             <a:r>
-              <a:rPr lang="en-US" sz="1400" dirty="0" err="1"/>
+              <a:rPr lang="en-US" sz="1200" dirty="0" err="1"/>
               <a:t>Hennecke</a:t>
             </a:r>
             <a:r>
-              <a:rPr lang="en-US" sz="1400" dirty="0"/>
+              <a:rPr lang="en-US" sz="1200" dirty="0"/>
               <a:t>, and Dirk </a:t>
             </a:r>
             <a:r>
-              <a:rPr lang="en-US" sz="1400" dirty="0" smtClean="0"/>
+              <a:rPr lang="en-US" sz="1200" dirty="0" smtClean="0"/>
               <a:t>Helbing, Congested </a:t>
             </a:r>
             <a:r>
-              <a:rPr lang="en-US" sz="1400" dirty="0"/>
+              <a:rPr lang="en-US" sz="1200" dirty="0"/>
               <a:t>Traffic States in Empirical Observations </a:t>
             </a:r>
             <a:r>
-              <a:rPr lang="en-US" sz="1400" dirty="0" smtClean="0"/>
+              <a:rPr lang="en-US" sz="1200" dirty="0" smtClean="0"/>
               <a:t>and Microscopic Simulations </a:t>
             </a:r>
             <a:r>
-              <a:rPr lang="en-US" sz="1400" dirty="0"/>
+              <a:rPr lang="en-US" sz="1200" dirty="0"/>
               <a:t>(March 18, 2014</a:t>
             </a:r>
             <a:r>
-              <a:rPr lang="en-US" sz="1400" dirty="0" smtClean="0"/>
+              <a:rPr lang="en-US" sz="1200" dirty="0" smtClean="0"/>
               <a:t>)</a:t>
             </a:r>
-            <a:endParaRPr lang="en-US" sz="1400" dirty="0"/>
+            <a:endParaRPr lang="en-US" sz="1200" dirty="0"/>
           </a:p>
         </p:txBody>
       </p:sp>
